--- a/impact of covid on mental health.pptx
+++ b/impact of covid on mental health.pptx
@@ -9,15 +9,16 @@
     <p:sldId id="257" r:id="rId3"/>
     <p:sldId id="258" r:id="rId4"/>
     <p:sldId id="267" r:id="rId5"/>
-    <p:sldId id="268" r:id="rId6"/>
-    <p:sldId id="269" r:id="rId7"/>
-    <p:sldId id="270" r:id="rId8"/>
-    <p:sldId id="271" r:id="rId9"/>
-    <p:sldId id="273" r:id="rId10"/>
-    <p:sldId id="272" r:id="rId11"/>
-    <p:sldId id="274" r:id="rId12"/>
-    <p:sldId id="275" r:id="rId13"/>
-    <p:sldId id="276" r:id="rId14"/>
+    <p:sldId id="269" r:id="rId6"/>
+    <p:sldId id="270" r:id="rId7"/>
+    <p:sldId id="271" r:id="rId8"/>
+    <p:sldId id="277" r:id="rId9"/>
+    <p:sldId id="278" r:id="rId10"/>
+    <p:sldId id="273" r:id="rId11"/>
+    <p:sldId id="272" r:id="rId12"/>
+    <p:sldId id="274" r:id="rId13"/>
+    <p:sldId id="275" r:id="rId14"/>
+    <p:sldId id="276" r:id="rId15"/>
   </p:sldIdLst>
   <p:sldSz cx="12192000" cy="6858000"/>
   <p:notesSz cx="6858000" cy="9144000"/>
@@ -116,6 +117,11 @@
       </a:defRPr>
     </a:lvl9pPr>
   </p:defaultTextStyle>
+  <p:extLst>
+    <p:ext uri="{EFAFB233-063F-42B5-8137-9DF3F51BA10A}">
+      <p15:sldGuideLst xmlns:p15="http://schemas.microsoft.com/office/powerpoint/2012/main"/>
+    </p:ext>
+  </p:extLst>
 </p:presentation>
 </file>
 
@@ -841,7 +847,7 @@
           <a:p>
             <a:fld id="{3ED37A20-15BF-40A6-9394-A94FB503F24D}" type="datetimeFigureOut">
               <a:rPr lang="zh-CN" altLang="en-US" smtClean="0"/>
-              <a:t>2021/4/28</a:t>
+              <a:t>2021/4/29</a:t>
             </a:fld>
             <a:endParaRPr lang="zh-CN" altLang="en-US"/>
           </a:p>
@@ -1092,7 +1098,7 @@
           <a:p>
             <a:fld id="{3ED37A20-15BF-40A6-9394-A94FB503F24D}" type="datetimeFigureOut">
               <a:rPr lang="zh-CN" altLang="en-US" smtClean="0"/>
-              <a:t>2021/4/28</a:t>
+              <a:t>2021/4/29</a:t>
             </a:fld>
             <a:endParaRPr lang="zh-CN" altLang="en-US"/>
           </a:p>
@@ -1406,7 +1412,7 @@
           <a:p>
             <a:fld id="{3ED37A20-15BF-40A6-9394-A94FB503F24D}" type="datetimeFigureOut">
               <a:rPr lang="zh-CN" altLang="en-US" smtClean="0"/>
-              <a:t>2021/4/28</a:t>
+              <a:t>2021/4/29</a:t>
             </a:fld>
             <a:endParaRPr lang="zh-CN" altLang="en-US"/>
           </a:p>
@@ -1747,7 +1753,7 @@
           <a:p>
             <a:fld id="{3ED37A20-15BF-40A6-9394-A94FB503F24D}" type="datetimeFigureOut">
               <a:rPr lang="zh-CN" altLang="en-US" smtClean="0"/>
-              <a:t>2021/4/28</a:t>
+              <a:t>2021/4/29</a:t>
             </a:fld>
             <a:endParaRPr lang="zh-CN" altLang="en-US"/>
           </a:p>
@@ -2061,7 +2067,7 @@
           <a:p>
             <a:fld id="{3ED37A20-15BF-40A6-9394-A94FB503F24D}" type="datetimeFigureOut">
               <a:rPr lang="zh-CN" altLang="en-US" smtClean="0"/>
-              <a:t>2021/4/28</a:t>
+              <a:t>2021/4/29</a:t>
             </a:fld>
             <a:endParaRPr lang="zh-CN" altLang="en-US"/>
           </a:p>
@@ -2454,7 +2460,7 @@
           <a:p>
             <a:fld id="{3ED37A20-15BF-40A6-9394-A94FB503F24D}" type="datetimeFigureOut">
               <a:rPr lang="zh-CN" altLang="en-US" smtClean="0"/>
-              <a:t>2021/4/28</a:t>
+              <a:t>2021/4/29</a:t>
             </a:fld>
             <a:endParaRPr lang="zh-CN" altLang="en-US"/>
           </a:p>
@@ -2624,7 +2630,7 @@
           <a:p>
             <a:fld id="{3ED37A20-15BF-40A6-9394-A94FB503F24D}" type="datetimeFigureOut">
               <a:rPr lang="zh-CN" altLang="en-US" smtClean="0"/>
-              <a:t>2021/4/28</a:t>
+              <a:t>2021/4/29</a:t>
             </a:fld>
             <a:endParaRPr lang="zh-CN" altLang="en-US"/>
           </a:p>
@@ -2804,7 +2810,7 @@
           <a:p>
             <a:fld id="{3ED37A20-15BF-40A6-9394-A94FB503F24D}" type="datetimeFigureOut">
               <a:rPr lang="zh-CN" altLang="en-US" smtClean="0"/>
-              <a:t>2021/4/28</a:t>
+              <a:t>2021/4/29</a:t>
             </a:fld>
             <a:endParaRPr lang="zh-CN" altLang="en-US"/>
           </a:p>
@@ -2980,7 +2986,7 @@
           <a:p>
             <a:fld id="{3ED37A20-15BF-40A6-9394-A94FB503F24D}" type="datetimeFigureOut">
               <a:rPr lang="zh-CN" altLang="en-US" smtClean="0"/>
-              <a:t>2021/4/28</a:t>
+              <a:t>2021/4/29</a:t>
             </a:fld>
             <a:endParaRPr lang="zh-CN" altLang="en-US"/>
           </a:p>
@@ -3227,7 +3233,7 @@
           <a:p>
             <a:fld id="{3ED37A20-15BF-40A6-9394-A94FB503F24D}" type="datetimeFigureOut">
               <a:rPr lang="zh-CN" altLang="en-US" smtClean="0"/>
-              <a:t>2021/4/28</a:t>
+              <a:t>2021/4/29</a:t>
             </a:fld>
             <a:endParaRPr lang="zh-CN" altLang="en-US"/>
           </a:p>
@@ -3459,7 +3465,7 @@
           <a:p>
             <a:fld id="{3ED37A20-15BF-40A6-9394-A94FB503F24D}" type="datetimeFigureOut">
               <a:rPr lang="zh-CN" altLang="en-US" smtClean="0"/>
-              <a:t>2021/4/28</a:t>
+              <a:t>2021/4/29</a:t>
             </a:fld>
             <a:endParaRPr lang="zh-CN" altLang="en-US"/>
           </a:p>
@@ -3833,7 +3839,7 @@
           <a:p>
             <a:fld id="{3ED37A20-15BF-40A6-9394-A94FB503F24D}" type="datetimeFigureOut">
               <a:rPr lang="zh-CN" altLang="en-US" smtClean="0"/>
-              <a:t>2021/4/28</a:t>
+              <a:t>2021/4/29</a:t>
             </a:fld>
             <a:endParaRPr lang="zh-CN" altLang="en-US"/>
           </a:p>
@@ -3956,7 +3962,7 @@
           <a:p>
             <a:fld id="{3ED37A20-15BF-40A6-9394-A94FB503F24D}" type="datetimeFigureOut">
               <a:rPr lang="zh-CN" altLang="en-US" smtClean="0"/>
-              <a:t>2021/4/28</a:t>
+              <a:t>2021/4/29</a:t>
             </a:fld>
             <a:endParaRPr lang="zh-CN" altLang="en-US"/>
           </a:p>
@@ -4051,7 +4057,7 @@
           <a:p>
             <a:fld id="{3ED37A20-15BF-40A6-9394-A94FB503F24D}" type="datetimeFigureOut">
               <a:rPr lang="zh-CN" altLang="en-US" smtClean="0"/>
-              <a:t>2021/4/28</a:t>
+              <a:t>2021/4/29</a:t>
             </a:fld>
             <a:endParaRPr lang="zh-CN" altLang="en-US"/>
           </a:p>
@@ -4306,7 +4312,7 @@
           <a:p>
             <a:fld id="{3ED37A20-15BF-40A6-9394-A94FB503F24D}" type="datetimeFigureOut">
               <a:rPr lang="zh-CN" altLang="en-US" smtClean="0"/>
-              <a:t>2021/4/28</a:t>
+              <a:t>2021/4/29</a:t>
             </a:fld>
             <a:endParaRPr lang="zh-CN" altLang="en-US"/>
           </a:p>
@@ -4569,7 +4575,7 @@
           <a:p>
             <a:fld id="{3ED37A20-15BF-40A6-9394-A94FB503F24D}" type="datetimeFigureOut">
               <a:rPr lang="zh-CN" altLang="en-US" smtClean="0"/>
-              <a:t>2021/4/28</a:t>
+              <a:t>2021/4/29</a:t>
             </a:fld>
             <a:endParaRPr lang="zh-CN" altLang="en-US"/>
           </a:p>
@@ -5312,7 +5318,7 @@
           <a:p>
             <a:fld id="{3ED37A20-15BF-40A6-9394-A94FB503F24D}" type="datetimeFigureOut">
               <a:rPr lang="zh-CN" altLang="en-US" smtClean="0"/>
-              <a:t>2021/4/28</a:t>
+              <a:t>2021/4/29</a:t>
             </a:fld>
             <a:endParaRPr lang="zh-CN" altLang="en-US"/>
           </a:p>
@@ -6038,7 +6044,7 @@
                 <a:effectLst/>
                 <a:ea typeface="Arial" panose="020B0604020202020204" pitchFamily="34" charset="0"/>
               </a:rPr>
-              <a:t>Jungkyu Kim</a:t>
+              <a:t>Felix Ogbodu</a:t>
             </a:r>
             <a:r>
               <a:rPr lang="en-US" altLang="zh-CN" dirty="0"/>
@@ -6051,7 +6057,7 @@
     </p:spTree>
     <p:extLst>
       <p:ext uri="{BB962C8B-B14F-4D97-AF65-F5344CB8AC3E}">
-        <p14:creationId xmlns:p14="http://schemas.microsoft.com/office/powerpoint/2010/main" val="3027793148"/>
+        <p14:creationId xmlns:p14="http://schemas.microsoft.com/office/powerpoint/2010/main" val="4260748630"/>
       </p:ext>
     </p:extLst>
   </p:cSld>
@@ -6096,14 +6102,12 @@
         </p:nvSpPr>
         <p:spPr/>
         <p:txBody>
-          <a:bodyPr>
-            <a:normAutofit/>
-          </a:bodyPr>
+          <a:bodyPr/>
           <a:lstStyle/>
           <a:p>
             <a:r>
               <a:rPr lang="en-US" altLang="zh-CN" dirty="0"/>
-              <a:t>Summary statistics </a:t>
+              <a:t>Graphing </a:t>
             </a:r>
             <a:endParaRPr lang="zh-CN" altLang="en-US" dirty="0"/>
           </a:p>
@@ -6173,11 +6177,11 @@
                 <a:effectLst/>
                 <a:ea typeface="Arial" panose="020B0604020202020204" pitchFamily="34" charset="0"/>
               </a:rPr>
-              <a:t>Riley Williamson</a:t>
+              <a:t>Jungkyu Kim</a:t>
             </a:r>
             <a:r>
               <a:rPr lang="en-US" altLang="zh-CN" dirty="0"/>
-              <a:t>  </a:t>
+              <a:t> </a:t>
             </a:r>
             <a:endParaRPr lang="zh-CN" altLang="en-US" dirty="0"/>
           </a:p>
@@ -6186,7 +6190,7 @@
     </p:spTree>
     <p:extLst>
       <p:ext uri="{BB962C8B-B14F-4D97-AF65-F5344CB8AC3E}">
-        <p14:creationId xmlns:p14="http://schemas.microsoft.com/office/powerpoint/2010/main" val="1748552998"/>
+        <p14:creationId xmlns:p14="http://schemas.microsoft.com/office/powerpoint/2010/main" val="3027793148"/>
       </p:ext>
     </p:extLst>
   </p:cSld>
@@ -6238,7 +6242,7 @@
           <a:p>
             <a:r>
               <a:rPr lang="en-US" altLang="zh-CN" dirty="0"/>
-              <a:t>P-test </a:t>
+              <a:t>Summary statistics </a:t>
             </a:r>
             <a:endParaRPr lang="zh-CN" altLang="en-US" dirty="0"/>
           </a:p>
@@ -6321,7 +6325,7 @@
     </p:spTree>
     <p:extLst>
       <p:ext uri="{BB962C8B-B14F-4D97-AF65-F5344CB8AC3E}">
-        <p14:creationId xmlns:p14="http://schemas.microsoft.com/office/powerpoint/2010/main" val="3699463610"/>
+        <p14:creationId xmlns:p14="http://schemas.microsoft.com/office/powerpoint/2010/main" val="1748552998"/>
       </p:ext>
     </p:extLst>
   </p:cSld>
@@ -6373,7 +6377,7 @@
           <a:p>
             <a:r>
               <a:rPr lang="en-US" altLang="zh-CN" dirty="0"/>
-              <a:t>Conclusion </a:t>
+              <a:t>P-test </a:t>
             </a:r>
             <a:endParaRPr lang="zh-CN" altLang="en-US" dirty="0"/>
           </a:p>
@@ -6448,6 +6452,141 @@
             <a:r>
               <a:rPr lang="en-US" altLang="zh-CN" dirty="0"/>
               <a:t>  </a:t>
+            </a:r>
+            <a:endParaRPr lang="zh-CN" altLang="en-US" dirty="0"/>
+          </a:p>
+        </p:txBody>
+      </p:sp>
+    </p:spTree>
+    <p:extLst>
+      <p:ext uri="{BB962C8B-B14F-4D97-AF65-F5344CB8AC3E}">
+        <p14:creationId xmlns:p14="http://schemas.microsoft.com/office/powerpoint/2010/main" val="3699463610"/>
+      </p:ext>
+    </p:extLst>
+  </p:cSld>
+  <p:clrMapOvr>
+    <a:masterClrMapping/>
+  </p:clrMapOvr>
+</p:sld>
+</file>
+
+<file path=ppt/slides/slide14.xml><?xml version="1.0" encoding="utf-8"?>
+<p:sld xmlns:a="http://schemas.openxmlformats.org/drawingml/2006/main" xmlns:r="http://schemas.openxmlformats.org/officeDocument/2006/relationships" xmlns:p="http://schemas.openxmlformats.org/presentationml/2006/main">
+  <p:cSld>
+    <p:spTree>
+      <p:nvGrpSpPr>
+        <p:cNvPr id="1" name=""/>
+        <p:cNvGrpSpPr/>
+        <p:nvPr/>
+      </p:nvGrpSpPr>
+      <p:grpSpPr>
+        <a:xfrm>
+          <a:off x="0" y="0"/>
+          <a:ext cx="0" cy="0"/>
+          <a:chOff x="0" y="0"/>
+          <a:chExt cx="0" cy="0"/>
+        </a:xfrm>
+      </p:grpSpPr>
+      <p:sp>
+        <p:nvSpPr>
+          <p:cNvPr id="2" name="Title 1">
+            <a:extLst>
+              <a:ext uri="{FF2B5EF4-FFF2-40B4-BE49-F238E27FC236}">
+                <a16:creationId xmlns:a16="http://schemas.microsoft.com/office/drawing/2014/main" id="{663D0643-9008-440B-801F-AF2816B5490B}"/>
+              </a:ext>
+            </a:extLst>
+          </p:cNvPr>
+          <p:cNvSpPr>
+            <a:spLocks noGrp="1"/>
+          </p:cNvSpPr>
+          <p:nvPr>
+            <p:ph type="title"/>
+          </p:nvPr>
+        </p:nvSpPr>
+        <p:spPr/>
+        <p:txBody>
+          <a:bodyPr>
+            <a:normAutofit/>
+          </a:bodyPr>
+          <a:lstStyle/>
+          <a:p>
+            <a:r>
+              <a:rPr lang="en-US" altLang="zh-CN" dirty="0"/>
+              <a:t>Conclusion </a:t>
+            </a:r>
+            <a:endParaRPr lang="zh-CN" altLang="en-US" dirty="0"/>
+          </a:p>
+        </p:txBody>
+      </p:sp>
+      <p:sp>
+        <p:nvSpPr>
+          <p:cNvPr id="3" name="Content Placeholder 2">
+            <a:extLst>
+              <a:ext uri="{FF2B5EF4-FFF2-40B4-BE49-F238E27FC236}">
+                <a16:creationId xmlns:a16="http://schemas.microsoft.com/office/drawing/2014/main" id="{4B3ECB60-0370-40E0-9495-4CCA3A7E9068}"/>
+              </a:ext>
+            </a:extLst>
+          </p:cNvPr>
+          <p:cNvSpPr>
+            <a:spLocks noGrp="1"/>
+          </p:cNvSpPr>
+          <p:nvPr>
+            <p:ph idx="1"/>
+          </p:nvPr>
+        </p:nvSpPr>
+        <p:spPr/>
+        <p:txBody>
+          <a:bodyPr>
+            <a:normAutofit/>
+          </a:bodyPr>
+          <a:lstStyle/>
+          <a:p>
+            <a:endParaRPr lang="zh-CN" altLang="en-US" dirty="0"/>
+          </a:p>
+        </p:txBody>
+      </p:sp>
+      <p:sp>
+        <p:nvSpPr>
+          <p:cNvPr id="7" name="TextBox 6">
+            <a:extLst>
+              <a:ext uri="{FF2B5EF4-FFF2-40B4-BE49-F238E27FC236}">
+                <a16:creationId xmlns:a16="http://schemas.microsoft.com/office/drawing/2014/main" id="{B784D723-236F-4355-AA3D-18C8B202159E}"/>
+              </a:ext>
+            </a:extLst>
+          </p:cNvPr>
+          <p:cNvSpPr txBox="1"/>
+          <p:nvPr/>
+        </p:nvSpPr>
+        <p:spPr>
+          <a:xfrm>
+            <a:off x="7076662" y="5910470"/>
+            <a:ext cx="3286538" cy="369332"/>
+          </a:xfrm>
+          <a:prstGeom prst="rect">
+            <a:avLst/>
+          </a:prstGeom>
+          <a:noFill/>
+        </p:spPr>
+        <p:txBody>
+          <a:bodyPr wrap="square" rtlCol="0">
+            <a:spAutoFit/>
+          </a:bodyPr>
+          <a:lstStyle/>
+          <a:p>
+            <a:r>
+              <a:rPr lang="en-US" altLang="zh-CN" dirty="0"/>
+              <a:t>By </a:t>
+            </a:r>
+            <a:r>
+              <a:rPr lang="zh-CN" altLang="zh-CN" sz="1800" dirty="0">
+                <a:effectLst/>
+                <a:ea typeface="Arial" panose="020B0604020202020204" pitchFamily="34" charset="0"/>
+              </a:rPr>
+              <a:t>Veera Supraja Koppisetty</a:t>
+            </a:r>
+            <a:r>
+              <a:rPr lang="en-US" altLang="zh-CN" dirty="0"/>
+              <a:t>   </a:t>
             </a:r>
             <a:endParaRPr lang="zh-CN" altLang="en-US" dirty="0"/>
           </a:p>
@@ -6532,23 +6671,23 @@
         <p:spPr/>
         <p:txBody>
           <a:bodyPr>
-            <a:normAutofit fontScale="85000" lnSpcReduction="20000"/>
+            <a:noAutofit/>
           </a:bodyPr>
           <a:lstStyle/>
           <a:p>
             <a:pPr algn="l"/>
             <a:r>
-              <a:rPr lang="en-US" altLang="zh-CN" dirty="0"/>
+              <a:rPr lang="en-US" altLang="zh-CN" sz="2000" dirty="0"/>
               <a:t>Group D1: </a:t>
             </a:r>
             <a:r>
-              <a:rPr lang="zh-CN" altLang="zh-CN" sz="1800" dirty="0">
+              <a:rPr lang="zh-CN" altLang="zh-CN" sz="2000" dirty="0">
                 <a:effectLst/>
                 <a:ea typeface="Arial" panose="020B0604020202020204" pitchFamily="34" charset="0"/>
               </a:rPr>
               <a:t>Jie Feng, Jungkyu Kim, Riley Williamson, Rodney Davemann,Veera Supraja Koppisetty, Felix Ogbodu</a:t>
             </a:r>
-            <a:endParaRPr lang="en-US" altLang="zh-CN" sz="1800" dirty="0">
+            <a:endParaRPr lang="en-US" altLang="zh-CN" sz="2000" dirty="0">
               <a:effectLst/>
               <a:ea typeface="Arial" panose="020B0604020202020204" pitchFamily="34" charset="0"/>
             </a:endParaRPr>
@@ -6556,30 +6695,37 @@
           <a:p>
             <a:pPr algn="l"/>
             <a:r>
-              <a:rPr lang="en-US" altLang="zh-CN" dirty="0"/>
+              <a:rPr lang="en-US" altLang="zh-CN" sz="2000" dirty="0"/>
               <a:t>Instructor: Thomas </a:t>
             </a:r>
             <a:r>
-              <a:rPr lang="en-US" altLang="zh-CN" dirty="0" err="1"/>
+              <a:rPr lang="en-US" altLang="zh-CN" sz="2000" dirty="0" err="1"/>
               <a:t>Raczkowski</a:t>
             </a:r>
-            <a:endParaRPr lang="en-US" altLang="zh-CN" dirty="0"/>
+            <a:endParaRPr lang="en-US" altLang="zh-CN" sz="2000" dirty="0"/>
           </a:p>
           <a:p>
             <a:pPr algn="l"/>
             <a:r>
-              <a:rPr lang="en-US" altLang="zh-CN" dirty="0"/>
+              <a:rPr lang="en-US" altLang="zh-CN" sz="2000" dirty="0"/>
               <a:t>TA: </a:t>
             </a:r>
             <a:r>
-              <a:rPr lang="en-US" altLang="zh-CN" dirty="0" err="1"/>
+              <a:rPr lang="en-US" altLang="zh-CN" sz="2000" dirty="0" err="1"/>
               <a:t>Sumit</a:t>
             </a:r>
             <a:r>
-              <a:rPr lang="en-US" altLang="zh-CN" dirty="0"/>
+              <a:rPr lang="en-US" altLang="zh-CN" sz="2000" dirty="0"/>
               <a:t> Malik</a:t>
             </a:r>
-            <a:endParaRPr lang="zh-CN" altLang="en-US" dirty="0"/>
+          </a:p>
+          <a:p>
+            <a:pPr algn="l"/>
+            <a:r>
+              <a:rPr lang="en-US" altLang="zh-CN" sz="2000" dirty="0"/>
+              <a:t>Date: 05/01/2021</a:t>
+            </a:r>
+            <a:endParaRPr lang="zh-CN" altLang="en-US" sz="2000" dirty="0"/>
           </a:p>
         </p:txBody>
       </p:sp>
@@ -7220,7 +7366,7 @@
                 <a:effectLst/>
                 <a:ea typeface="Arial" panose="020B0604020202020204" pitchFamily="34" charset="0"/>
               </a:rPr>
-              <a:t>Veera Supraja Koppisetty</a:t>
+              <a:t>Jungkyu Kim</a:t>
             </a:r>
             <a:r>
               <a:rPr lang="en-US" altLang="zh-CN" dirty="0"/>
@@ -7233,7 +7379,7 @@
     </p:spTree>
     <p:extLst>
       <p:ext uri="{BB962C8B-B14F-4D97-AF65-F5344CB8AC3E}">
-        <p14:creationId xmlns:p14="http://schemas.microsoft.com/office/powerpoint/2010/main" val="3210591287"/>
+        <p14:creationId xmlns:p14="http://schemas.microsoft.com/office/powerpoint/2010/main" val="3732807902"/>
       </p:ext>
     </p:extLst>
   </p:cSld>
@@ -7283,7 +7429,7 @@
           <a:p>
             <a:r>
               <a:rPr lang="en-US" altLang="zh-CN" dirty="0"/>
-              <a:t>Data cleaning </a:t>
+              <a:t>Data analysis </a:t>
             </a:r>
             <a:endParaRPr lang="zh-CN" altLang="en-US" dirty="0"/>
           </a:p>
@@ -7353,7 +7499,7 @@
                 <a:effectLst/>
                 <a:ea typeface="Arial" panose="020B0604020202020204" pitchFamily="34" charset="0"/>
               </a:rPr>
-              <a:t>Jungkyu Kim</a:t>
+              <a:t>Rodney Davemann</a:t>
             </a:r>
             <a:r>
               <a:rPr lang="en-US" altLang="zh-CN" dirty="0"/>
@@ -7366,7 +7512,7 @@
     </p:spTree>
     <p:extLst>
       <p:ext uri="{BB962C8B-B14F-4D97-AF65-F5344CB8AC3E}">
-        <p14:creationId xmlns:p14="http://schemas.microsoft.com/office/powerpoint/2010/main" val="3732807902"/>
+        <p14:creationId xmlns:p14="http://schemas.microsoft.com/office/powerpoint/2010/main" val="213444618"/>
       </p:ext>
     </p:extLst>
   </p:cSld>
@@ -7411,12 +7557,21 @@
         </p:nvSpPr>
         <p:spPr/>
         <p:txBody>
-          <a:bodyPr/>
+          <a:bodyPr>
+            <a:normAutofit fontScale="90000"/>
+          </a:bodyPr>
           <a:lstStyle/>
           <a:p>
             <a:r>
               <a:rPr lang="en-US" altLang="zh-CN" dirty="0"/>
-              <a:t>Data analysis </a:t>
+              <a:t>Data analysis</a:t>
+            </a:r>
+            <a:br>
+              <a:rPr lang="en-US" altLang="zh-CN" dirty="0"/>
+            </a:br>
+            <a:r>
+              <a:rPr lang="en-US" altLang="zh-CN" dirty="0"/>
+              <a:t>Question: How has Georgia been impacted? </a:t>
             </a:r>
             <a:endParaRPr lang="zh-CN" altLang="en-US" dirty="0"/>
           </a:p>
@@ -7444,6 +7599,130 @@
             <a:normAutofit/>
           </a:bodyPr>
           <a:lstStyle/>
+          <a:p>
+            <a:r>
+              <a:rPr lang="en-US" altLang="zh-CN" dirty="0"/>
+              <a:t>#get </a:t>
+            </a:r>
+            <a:r>
+              <a:rPr lang="en-US" altLang="zh-CN" dirty="0" err="1"/>
+              <a:t>georgia</a:t>
+            </a:r>
+            <a:r>
+              <a:rPr lang="en-US" altLang="zh-CN" dirty="0"/>
+              <a:t> data</a:t>
+            </a:r>
+          </a:p>
+          <a:p>
+            <a:r>
+              <a:rPr lang="en-US" altLang="zh-CN" dirty="0" err="1"/>
+              <a:t>georgia_data</a:t>
+            </a:r>
+            <a:r>
+              <a:rPr lang="en-US" altLang="zh-CN" dirty="0"/>
+              <a:t>=</a:t>
+            </a:r>
+            <a:r>
+              <a:rPr lang="en-US" altLang="zh-CN" dirty="0" err="1"/>
+              <a:t>merged_data.loc</a:t>
+            </a:r>
+            <a:r>
+              <a:rPr lang="en-US" altLang="zh-CN" dirty="0"/>
+              <a:t>[</a:t>
+            </a:r>
+            <a:r>
+              <a:rPr lang="en-US" altLang="zh-CN" dirty="0" err="1"/>
+              <a:t>merged_data</a:t>
+            </a:r>
+            <a:r>
+              <a:rPr lang="en-US" altLang="zh-CN" dirty="0"/>
+              <a:t>["state"]=="Georgia"]</a:t>
+            </a:r>
+          </a:p>
+          <a:p>
+            <a:r>
+              <a:rPr lang="en-US" altLang="zh-CN" dirty="0"/>
+              <a:t>#display </a:t>
+            </a:r>
+            <a:r>
+              <a:rPr lang="en-US" altLang="zh-CN" dirty="0" err="1"/>
+              <a:t>georgia</a:t>
+            </a:r>
+            <a:r>
+              <a:rPr lang="en-US" altLang="zh-CN" dirty="0"/>
+              <a:t> data</a:t>
+            </a:r>
+          </a:p>
+          <a:p>
+            <a:r>
+              <a:rPr lang="en-US" altLang="zh-CN" dirty="0"/>
+              <a:t>display(</a:t>
+            </a:r>
+            <a:r>
+              <a:rPr lang="en-US" altLang="zh-CN" dirty="0" err="1"/>
+              <a:t>georgia_data</a:t>
+            </a:r>
+            <a:r>
+              <a:rPr lang="en-US" altLang="zh-CN" dirty="0"/>
+              <a:t>)</a:t>
+            </a:r>
+          </a:p>
+          <a:p>
+            <a:r>
+              <a:rPr lang="en-US" altLang="zh-CN" dirty="0"/>
+              <a:t>#group </a:t>
+            </a:r>
+            <a:r>
+              <a:rPr lang="en-US" altLang="zh-CN" dirty="0" err="1"/>
+              <a:t>georgia</a:t>
+            </a:r>
+            <a:r>
+              <a:rPr lang="en-US" altLang="zh-CN" dirty="0"/>
+              <a:t> data by date</a:t>
+            </a:r>
+          </a:p>
+          <a:p>
+            <a:r>
+              <a:rPr lang="en-US" altLang="zh-CN" dirty="0" err="1"/>
+              <a:t>georgia_data_group_by_date</a:t>
+            </a:r>
+            <a:r>
+              <a:rPr lang="en-US" altLang="zh-CN" dirty="0"/>
+              <a:t>=</a:t>
+            </a:r>
+            <a:r>
+              <a:rPr lang="en-US" altLang="zh-CN" dirty="0" err="1"/>
+              <a:t>georgia_data.groupby</a:t>
+            </a:r>
+            <a:r>
+              <a:rPr lang="en-US" altLang="zh-CN" dirty="0"/>
+              <a:t>(["date"],sort=False)</a:t>
+            </a:r>
+          </a:p>
+          <a:p>
+            <a:r>
+              <a:rPr lang="en-US" altLang="zh-CN" dirty="0"/>
+              <a:t>#get the mean</a:t>
+            </a:r>
+          </a:p>
+          <a:p>
+            <a:r>
+              <a:rPr lang="en-US" altLang="zh-CN" dirty="0" err="1"/>
+              <a:t>georgia_data_group_by_date_mean</a:t>
+            </a:r>
+            <a:r>
+              <a:rPr lang="en-US" altLang="zh-CN" dirty="0"/>
+              <a:t>=</a:t>
+            </a:r>
+            <a:r>
+              <a:rPr lang="en-US" altLang="zh-CN" dirty="0" err="1"/>
+              <a:t>georgia_data_group_by_date.mean</a:t>
+            </a:r>
+            <a:r>
+              <a:rPr lang="en-US" altLang="zh-CN" dirty="0"/>
+              <a:t>()</a:t>
+            </a:r>
+          </a:p>
           <a:p>
             <a:endParaRPr lang="zh-CN" altLang="en-US" dirty="0"/>
           </a:p>
@@ -7463,7 +7742,7 @@
         </p:nvSpPr>
         <p:spPr>
           <a:xfrm>
-            <a:off x="7076662" y="5910470"/>
+            <a:off x="10024578" y="6251664"/>
             <a:ext cx="3286538" cy="369332"/>
           </a:xfrm>
           <a:prstGeom prst="rect">
@@ -7479,18 +7758,7 @@
           <a:p>
             <a:r>
               <a:rPr lang="en-US" altLang="zh-CN" dirty="0"/>
-              <a:t>By </a:t>
-            </a:r>
-            <a:r>
-              <a:rPr lang="zh-CN" altLang="zh-CN" sz="1800" dirty="0">
-                <a:effectLst/>
-                <a:ea typeface="Arial" panose="020B0604020202020204" pitchFamily="34" charset="0"/>
-              </a:rPr>
-              <a:t>Rodney Davemann</a:t>
-            </a:r>
-            <a:r>
-              <a:rPr lang="en-US" altLang="zh-CN" dirty="0"/>
-              <a:t> </a:t>
+              <a:t>By Jie Feng </a:t>
             </a:r>
             <a:endParaRPr lang="zh-CN" altLang="en-US" dirty="0"/>
           </a:p>
@@ -7499,7 +7767,7 @@
     </p:spTree>
     <p:extLst>
       <p:ext uri="{BB962C8B-B14F-4D97-AF65-F5344CB8AC3E}">
-        <p14:creationId xmlns:p14="http://schemas.microsoft.com/office/powerpoint/2010/main" val="213444618"/>
+        <p14:creationId xmlns:p14="http://schemas.microsoft.com/office/powerpoint/2010/main" val="408578972"/>
       </p:ext>
     </p:extLst>
   </p:cSld>
@@ -7531,7 +7799,7 @@
           <p:cNvPr id="2" name="Title 1">
             <a:extLst>
               <a:ext uri="{FF2B5EF4-FFF2-40B4-BE49-F238E27FC236}">
-                <a16:creationId xmlns:a16="http://schemas.microsoft.com/office/drawing/2014/main" id="{663D0643-9008-440B-801F-AF2816B5490B}"/>
+                <a16:creationId xmlns:a16="http://schemas.microsoft.com/office/drawing/2014/main" id="{51590284-CCD1-4060-A489-50D88FBE5A03}"/>
               </a:ext>
             </a:extLst>
           </p:cNvPr>
@@ -7544,50 +7812,140 @@
         </p:nvSpPr>
         <p:spPr/>
         <p:txBody>
-          <a:bodyPr/>
+          <a:bodyPr>
+            <a:normAutofit fontScale="90000"/>
+          </a:bodyPr>
           <a:lstStyle/>
           <a:p>
             <a:r>
               <a:rPr lang="en-US" altLang="zh-CN" dirty="0"/>
-              <a:t>Data analysis </a:t>
+              <a:t>Data analysis</a:t>
+            </a:r>
+            <a:br>
+              <a:rPr lang="en-US" altLang="zh-CN" dirty="0"/>
+            </a:br>
+            <a:r>
+              <a:rPr lang="en-US" altLang="zh-CN" dirty="0"/>
+              <a:t>Question: How has Georgia been impacted? </a:t>
             </a:r>
             <a:endParaRPr lang="zh-CN" altLang="en-US" dirty="0"/>
           </a:p>
         </p:txBody>
       </p:sp>
-      <p:sp>
-        <p:nvSpPr>
-          <p:cNvPr id="3" name="Content Placeholder 2">
+      <p:pic>
+        <p:nvPicPr>
+          <p:cNvPr id="14" name="Picture 13" descr="Chart, histogram&#10;&#10;Description automatically generated">
             <a:extLst>
               <a:ext uri="{FF2B5EF4-FFF2-40B4-BE49-F238E27FC236}">
-                <a16:creationId xmlns:a16="http://schemas.microsoft.com/office/drawing/2014/main" id="{4B3ECB60-0370-40E0-9495-4CCA3A7E9068}"/>
+                <a16:creationId xmlns:a16="http://schemas.microsoft.com/office/drawing/2014/main" id="{D5E6BB94-062B-428A-A1A2-BB47BA987EF3}"/>
               </a:ext>
             </a:extLst>
           </p:cNvPr>
-          <p:cNvSpPr>
-            <a:spLocks noGrp="1"/>
-          </p:cNvSpPr>
-          <p:nvPr>
-            <p:ph idx="1"/>
-          </p:nvPr>
-        </p:nvSpPr>
-        <p:spPr/>
-        <p:txBody>
-          <a:bodyPr>
-            <a:normAutofit/>
-          </a:bodyPr>
-          <a:lstStyle/>
-          <a:p>
-            <a:endParaRPr lang="zh-CN" altLang="en-US" dirty="0"/>
-          </a:p>
-        </p:txBody>
-      </p:sp>
-      <p:sp>
-        <p:nvSpPr>
-          <p:cNvPr id="7" name="TextBox 6">
+          <p:cNvPicPr>
+            <a:picLocks noChangeAspect="1"/>
+          </p:cNvPicPr>
+          <p:nvPr/>
+        </p:nvPicPr>
+        <p:blipFill>
+          <a:blip r:embed="rId2">
+            <a:extLst>
+              <a:ext uri="{28A0092B-C50C-407E-A947-70E740481C1C}">
+                <a14:useLocalDpi xmlns:a14="http://schemas.microsoft.com/office/drawing/2010/main" val="0"/>
+              </a:ext>
+            </a:extLst>
+          </a:blip>
+          <a:stretch>
+            <a:fillRect/>
+          </a:stretch>
+        </p:blipFill>
+        <p:spPr>
+          <a:xfrm>
+            <a:off x="35417" y="2293748"/>
+            <a:ext cx="3694176" cy="3694176"/>
+          </a:xfrm>
+          <a:prstGeom prst="rect">
+            <a:avLst/>
+          </a:prstGeom>
+        </p:spPr>
+      </p:pic>
+      <p:pic>
+        <p:nvPicPr>
+          <p:cNvPr id="16" name="Picture 15" descr="Chart, histogram&#10;&#10;Description automatically generated">
             <a:extLst>
               <a:ext uri="{FF2B5EF4-FFF2-40B4-BE49-F238E27FC236}">
-                <a16:creationId xmlns:a16="http://schemas.microsoft.com/office/drawing/2014/main" id="{B784D723-236F-4355-AA3D-18C8B202159E}"/>
+                <a16:creationId xmlns:a16="http://schemas.microsoft.com/office/drawing/2014/main" id="{3417B815-0FF6-4544-991F-5B3F0B7A599D}"/>
+              </a:ext>
+            </a:extLst>
+          </p:cNvPr>
+          <p:cNvPicPr>
+            <a:picLocks noChangeAspect="1"/>
+          </p:cNvPicPr>
+          <p:nvPr/>
+        </p:nvPicPr>
+        <p:blipFill>
+          <a:blip r:embed="rId3">
+            <a:extLst>
+              <a:ext uri="{28A0092B-C50C-407E-A947-70E740481C1C}">
+                <a14:useLocalDpi xmlns:a14="http://schemas.microsoft.com/office/drawing/2010/main" val="0"/>
+              </a:ext>
+            </a:extLst>
+          </a:blip>
+          <a:stretch>
+            <a:fillRect/>
+          </a:stretch>
+        </p:blipFill>
+        <p:spPr>
+          <a:xfrm>
+            <a:off x="4263315" y="2293748"/>
+            <a:ext cx="3694176" cy="3694176"/>
+          </a:xfrm>
+          <a:prstGeom prst="rect">
+            <a:avLst/>
+          </a:prstGeom>
+        </p:spPr>
+      </p:pic>
+      <p:pic>
+        <p:nvPicPr>
+          <p:cNvPr id="18" name="Picture 17" descr="Chart, bar chart, histogram&#10;&#10;Description automatically generated">
+            <a:extLst>
+              <a:ext uri="{FF2B5EF4-FFF2-40B4-BE49-F238E27FC236}">
+                <a16:creationId xmlns:a16="http://schemas.microsoft.com/office/drawing/2014/main" id="{EEF20B85-5BF3-461D-AB18-EE10250BF266}"/>
+              </a:ext>
+            </a:extLst>
+          </p:cNvPr>
+          <p:cNvPicPr>
+            <a:picLocks noChangeAspect="1"/>
+          </p:cNvPicPr>
+          <p:nvPr/>
+        </p:nvPicPr>
+        <p:blipFill>
+          <a:blip r:embed="rId4">
+            <a:extLst>
+              <a:ext uri="{28A0092B-C50C-407E-A947-70E740481C1C}">
+                <a14:useLocalDpi xmlns:a14="http://schemas.microsoft.com/office/drawing/2010/main" val="0"/>
+              </a:ext>
+            </a:extLst>
+          </a:blip>
+          <a:stretch>
+            <a:fillRect/>
+          </a:stretch>
+        </p:blipFill>
+        <p:spPr>
+          <a:xfrm>
+            <a:off x="8307087" y="2493936"/>
+            <a:ext cx="3694176" cy="3694176"/>
+          </a:xfrm>
+          <a:prstGeom prst="rect">
+            <a:avLst/>
+          </a:prstGeom>
+        </p:spPr>
+      </p:pic>
+      <p:sp>
+        <p:nvSpPr>
+          <p:cNvPr id="6" name="TextBox 5">
+            <a:extLst>
+              <a:ext uri="{FF2B5EF4-FFF2-40B4-BE49-F238E27FC236}">
+                <a16:creationId xmlns:a16="http://schemas.microsoft.com/office/drawing/2014/main" id="{7FBBA0C9-2AA7-415F-8C77-0000045E2016}"/>
               </a:ext>
             </a:extLst>
           </p:cNvPr>
@@ -7596,7 +7954,7 @@
         </p:nvSpPr>
         <p:spPr>
           <a:xfrm>
-            <a:off x="7076662" y="5910470"/>
+            <a:off x="10141324" y="6382316"/>
             <a:ext cx="3286538" cy="369332"/>
           </a:xfrm>
           <a:prstGeom prst="rect">
@@ -7621,7 +7979,7 @@
     </p:spTree>
     <p:extLst>
       <p:ext uri="{BB962C8B-B14F-4D97-AF65-F5344CB8AC3E}">
-        <p14:creationId xmlns:p14="http://schemas.microsoft.com/office/powerpoint/2010/main" val="408578972"/>
+        <p14:creationId xmlns:p14="http://schemas.microsoft.com/office/powerpoint/2010/main" val="865997246"/>
       </p:ext>
     </p:extLst>
   </p:cSld>
@@ -7650,66 +8008,197 @@
       </p:grpSpPr>
       <p:sp>
         <p:nvSpPr>
-          <p:cNvPr id="2" name="Title 1">
+          <p:cNvPr id="3" name="Title 1">
             <a:extLst>
               <a:ext uri="{FF2B5EF4-FFF2-40B4-BE49-F238E27FC236}">
-                <a16:creationId xmlns:a16="http://schemas.microsoft.com/office/drawing/2014/main" id="{663D0643-9008-440B-801F-AF2816B5490B}"/>
+                <a16:creationId xmlns:a16="http://schemas.microsoft.com/office/drawing/2014/main" id="{22C44EDA-8B51-4668-9B61-4846E6A890DC}"/>
               </a:ext>
             </a:extLst>
           </p:cNvPr>
-          <p:cNvSpPr>
-            <a:spLocks noGrp="1"/>
-          </p:cNvSpPr>
-          <p:nvPr>
-            <p:ph type="title"/>
-          </p:nvPr>
-        </p:nvSpPr>
-        <p:spPr/>
-        <p:txBody>
-          <a:bodyPr/>
-          <a:lstStyle/>
-          <a:p>
-            <a:r>
-              <a:rPr lang="en-US" altLang="zh-CN" dirty="0"/>
-              <a:t>Graphing </a:t>
+          <p:cNvSpPr txBox="1">
+            <a:spLocks/>
+          </p:cNvSpPr>
+          <p:nvPr/>
+        </p:nvSpPr>
+        <p:spPr>
+          <a:xfrm>
+            <a:off x="829734" y="147850"/>
+            <a:ext cx="8596668" cy="1320800"/>
+          </a:xfrm>
+          <a:prstGeom prst="rect">
+            <a:avLst/>
+          </a:prstGeom>
+        </p:spPr>
+        <p:txBody>
+          <a:bodyPr vert="horz" lIns="91440" tIns="45720" rIns="91440" bIns="45720" rtlCol="0" anchor="t">
+            <a:normAutofit fontScale="90000"/>
+          </a:bodyPr>
+          <a:lstStyle>
+            <a:lvl1pPr algn="l" defTabSz="457200" rtl="0" eaLnBrk="1" latinLnBrk="0" hangingPunct="1">
+              <a:spcBef>
+                <a:spcPct val="0"/>
+              </a:spcBef>
+              <a:buNone/>
+              <a:defRPr sz="3600" kern="1200">
+                <a:solidFill>
+                  <a:schemeClr val="accent1"/>
+                </a:solidFill>
+                <a:latin typeface="+mj-lt"/>
+                <a:ea typeface="+mj-ea"/>
+                <a:cs typeface="+mj-cs"/>
+              </a:defRPr>
+            </a:lvl1pPr>
+            <a:lvl2pPr eaLnBrk="1" hangingPunct="1">
+              <a:defRPr>
+                <a:solidFill>
+                  <a:schemeClr val="tx2"/>
+                </a:solidFill>
+              </a:defRPr>
+            </a:lvl2pPr>
+            <a:lvl3pPr eaLnBrk="1" hangingPunct="1">
+              <a:defRPr>
+                <a:solidFill>
+                  <a:schemeClr val="tx2"/>
+                </a:solidFill>
+              </a:defRPr>
+            </a:lvl3pPr>
+            <a:lvl4pPr eaLnBrk="1" hangingPunct="1">
+              <a:defRPr>
+                <a:solidFill>
+                  <a:schemeClr val="tx2"/>
+                </a:solidFill>
+              </a:defRPr>
+            </a:lvl4pPr>
+            <a:lvl5pPr eaLnBrk="1" hangingPunct="1">
+              <a:defRPr>
+                <a:solidFill>
+                  <a:schemeClr val="tx2"/>
+                </a:solidFill>
+              </a:defRPr>
+            </a:lvl5pPr>
+            <a:lvl6pPr eaLnBrk="1" hangingPunct="1">
+              <a:defRPr>
+                <a:solidFill>
+                  <a:schemeClr val="tx2"/>
+                </a:solidFill>
+              </a:defRPr>
+            </a:lvl6pPr>
+            <a:lvl7pPr eaLnBrk="1" hangingPunct="1">
+              <a:defRPr>
+                <a:solidFill>
+                  <a:schemeClr val="tx2"/>
+                </a:solidFill>
+              </a:defRPr>
+            </a:lvl7pPr>
+            <a:lvl8pPr eaLnBrk="1" hangingPunct="1">
+              <a:defRPr>
+                <a:solidFill>
+                  <a:schemeClr val="tx2"/>
+                </a:solidFill>
+              </a:defRPr>
+            </a:lvl8pPr>
+            <a:lvl9pPr eaLnBrk="1" hangingPunct="1">
+              <a:defRPr>
+                <a:solidFill>
+                  <a:schemeClr val="tx2"/>
+                </a:solidFill>
+              </a:defRPr>
+            </a:lvl9pPr>
+          </a:lstStyle>
+          <a:p>
+            <a:r>
+              <a:rPr lang="en-US" altLang="zh-CN"/>
+              <a:t>Data analysis</a:t>
+            </a:r>
+            <a:br>
+              <a:rPr lang="en-US" altLang="zh-CN"/>
+            </a:br>
+            <a:r>
+              <a:rPr lang="en-US" altLang="zh-CN"/>
+              <a:t>Question: How has Georgia been impacted? </a:t>
             </a:r>
             <a:endParaRPr lang="zh-CN" altLang="en-US" dirty="0"/>
           </a:p>
         </p:txBody>
       </p:sp>
-      <p:sp>
-        <p:nvSpPr>
-          <p:cNvPr id="3" name="Content Placeholder 2">
+      <p:pic>
+        <p:nvPicPr>
+          <p:cNvPr id="5" name="Picture 4" descr="Chart, scatter chart&#10;&#10;Description automatically generated">
             <a:extLst>
               <a:ext uri="{FF2B5EF4-FFF2-40B4-BE49-F238E27FC236}">
-                <a16:creationId xmlns:a16="http://schemas.microsoft.com/office/drawing/2014/main" id="{4B3ECB60-0370-40E0-9495-4CCA3A7E9068}"/>
+                <a16:creationId xmlns:a16="http://schemas.microsoft.com/office/drawing/2014/main" id="{39F05766-B02A-44A1-BBAD-B95C879A62FA}"/>
               </a:ext>
             </a:extLst>
           </p:cNvPr>
-          <p:cNvSpPr>
-            <a:spLocks noGrp="1"/>
-          </p:cNvSpPr>
-          <p:nvPr>
-            <p:ph idx="1"/>
-          </p:nvPr>
-        </p:nvSpPr>
-        <p:spPr/>
-        <p:txBody>
-          <a:bodyPr>
-            <a:normAutofit/>
-          </a:bodyPr>
-          <a:lstStyle/>
-          <a:p>
-            <a:endParaRPr lang="zh-CN" altLang="en-US" dirty="0"/>
-          </a:p>
-        </p:txBody>
-      </p:sp>
-      <p:sp>
-        <p:nvSpPr>
-          <p:cNvPr id="7" name="TextBox 6">
+          <p:cNvPicPr>
+            <a:picLocks noChangeAspect="1"/>
+          </p:cNvPicPr>
+          <p:nvPr/>
+        </p:nvPicPr>
+        <p:blipFill>
+          <a:blip r:embed="rId2">
+            <a:extLst>
+              <a:ext uri="{28A0092B-C50C-407E-A947-70E740481C1C}">
+                <a14:useLocalDpi xmlns:a14="http://schemas.microsoft.com/office/drawing/2010/main" val="0"/>
+              </a:ext>
+            </a:extLst>
+          </a:blip>
+          <a:stretch>
+            <a:fillRect/>
+          </a:stretch>
+        </p:blipFill>
+        <p:spPr>
+          <a:xfrm>
+            <a:off x="194243" y="1534686"/>
+            <a:ext cx="5852172" cy="4389129"/>
+          </a:xfrm>
+          <a:prstGeom prst="rect">
+            <a:avLst/>
+          </a:prstGeom>
+        </p:spPr>
+      </p:pic>
+      <p:pic>
+        <p:nvPicPr>
+          <p:cNvPr id="7" name="Picture 6" descr="Chart, scatter chart&#10;&#10;Description automatically generated">
             <a:extLst>
               <a:ext uri="{FF2B5EF4-FFF2-40B4-BE49-F238E27FC236}">
-                <a16:creationId xmlns:a16="http://schemas.microsoft.com/office/drawing/2014/main" id="{B784D723-236F-4355-AA3D-18C8B202159E}"/>
+                <a16:creationId xmlns:a16="http://schemas.microsoft.com/office/drawing/2014/main" id="{E7EF0255-F83B-471D-BAB7-6D385CD67537}"/>
+              </a:ext>
+            </a:extLst>
+          </p:cNvPr>
+          <p:cNvPicPr>
+            <a:picLocks noChangeAspect="1"/>
+          </p:cNvPicPr>
+          <p:nvPr/>
+        </p:nvPicPr>
+        <p:blipFill>
+          <a:blip r:embed="rId3">
+            <a:extLst>
+              <a:ext uri="{28A0092B-C50C-407E-A947-70E740481C1C}">
+                <a14:useLocalDpi xmlns:a14="http://schemas.microsoft.com/office/drawing/2010/main" val="0"/>
+              </a:ext>
+            </a:extLst>
+          </a:blip>
+          <a:stretch>
+            <a:fillRect/>
+          </a:stretch>
+        </p:blipFill>
+        <p:spPr>
+          <a:xfrm>
+            <a:off x="6161083" y="1534684"/>
+            <a:ext cx="5852172" cy="4389129"/>
+          </a:xfrm>
+          <a:prstGeom prst="rect">
+            <a:avLst/>
+          </a:prstGeom>
+        </p:spPr>
+      </p:pic>
+      <p:sp>
+        <p:nvSpPr>
+          <p:cNvPr id="9" name="TextBox 8">
+            <a:extLst>
+              <a:ext uri="{FF2B5EF4-FFF2-40B4-BE49-F238E27FC236}">
+                <a16:creationId xmlns:a16="http://schemas.microsoft.com/office/drawing/2014/main" id="{6A110733-42D9-4E2B-B71E-48B14192C0FB}"/>
               </a:ext>
             </a:extLst>
           </p:cNvPr>
@@ -7718,7 +8207,79 @@
         </p:nvSpPr>
         <p:spPr>
           <a:xfrm>
-            <a:off x="7076662" y="5910470"/>
+            <a:off x="1033670" y="5923813"/>
+            <a:ext cx="2188420" cy="369332"/>
+          </a:xfrm>
+          <a:prstGeom prst="rect">
+            <a:avLst/>
+          </a:prstGeom>
+          <a:noFill/>
+        </p:spPr>
+        <p:txBody>
+          <a:bodyPr wrap="none" rtlCol="0">
+            <a:spAutoFit/>
+          </a:bodyPr>
+          <a:lstStyle/>
+          <a:p>
+            <a:r>
+              <a:rPr lang="en-US" altLang="zh-CN" dirty="0"/>
+              <a:t>The r value is 0.04.</a:t>
+            </a:r>
+            <a:endParaRPr lang="zh-CN" altLang="en-US" dirty="0"/>
+          </a:p>
+        </p:txBody>
+      </p:sp>
+      <p:sp>
+        <p:nvSpPr>
+          <p:cNvPr id="10" name="TextBox 9">
+            <a:extLst>
+              <a:ext uri="{FF2B5EF4-FFF2-40B4-BE49-F238E27FC236}">
+                <a16:creationId xmlns:a16="http://schemas.microsoft.com/office/drawing/2014/main" id="{F0E84953-112D-44E6-BD5C-B9DE845A6316}"/>
+              </a:ext>
+            </a:extLst>
+          </p:cNvPr>
+          <p:cNvSpPr txBox="1"/>
+          <p:nvPr/>
+        </p:nvSpPr>
+        <p:spPr>
+          <a:xfrm>
+            <a:off x="8302497" y="5943693"/>
+            <a:ext cx="2188420" cy="369332"/>
+          </a:xfrm>
+          <a:prstGeom prst="rect">
+            <a:avLst/>
+          </a:prstGeom>
+          <a:noFill/>
+        </p:spPr>
+        <p:txBody>
+          <a:bodyPr wrap="none" rtlCol="0">
+            <a:spAutoFit/>
+          </a:bodyPr>
+          <a:lstStyle/>
+          <a:p>
+            <a:r>
+              <a:rPr lang="en-US" altLang="zh-CN" dirty="0"/>
+              <a:t>The r value is 0.04.</a:t>
+            </a:r>
+            <a:endParaRPr lang="zh-CN" altLang="en-US" dirty="0"/>
+          </a:p>
+        </p:txBody>
+      </p:sp>
+      <p:sp>
+        <p:nvSpPr>
+          <p:cNvPr id="8" name="TextBox 7">
+            <a:extLst>
+              <a:ext uri="{FF2B5EF4-FFF2-40B4-BE49-F238E27FC236}">
+                <a16:creationId xmlns:a16="http://schemas.microsoft.com/office/drawing/2014/main" id="{CAD25CCB-9AC0-4810-A064-FADF062CC0BD}"/>
+              </a:ext>
+            </a:extLst>
+          </p:cNvPr>
+          <p:cNvSpPr txBox="1"/>
+          <p:nvPr/>
+        </p:nvSpPr>
+        <p:spPr>
+          <a:xfrm>
+            <a:off x="10172723" y="6428779"/>
             <a:ext cx="3286538" cy="369332"/>
           </a:xfrm>
           <a:prstGeom prst="rect">
@@ -7734,18 +8295,7 @@
           <a:p>
             <a:r>
               <a:rPr lang="en-US" altLang="zh-CN" dirty="0"/>
-              <a:t>By </a:t>
-            </a:r>
-            <a:r>
-              <a:rPr lang="zh-CN" altLang="zh-CN" sz="1800" dirty="0">
-                <a:effectLst/>
-                <a:ea typeface="Arial" panose="020B0604020202020204" pitchFamily="34" charset="0"/>
-              </a:rPr>
-              <a:t>Felix Ogbodu</a:t>
-            </a:r>
-            <a:r>
-              <a:rPr lang="en-US" altLang="zh-CN" dirty="0"/>
-              <a:t> </a:t>
+              <a:t>By Jie Feng </a:t>
             </a:r>
             <a:endParaRPr lang="zh-CN" altLang="en-US" dirty="0"/>
           </a:p>
@@ -7754,7 +8304,7 @@
     </p:spTree>
     <p:extLst>
       <p:ext uri="{BB962C8B-B14F-4D97-AF65-F5344CB8AC3E}">
-        <p14:creationId xmlns:p14="http://schemas.microsoft.com/office/powerpoint/2010/main" val="4260748630"/>
+        <p14:creationId xmlns:p14="http://schemas.microsoft.com/office/powerpoint/2010/main" val="2261705071"/>
       </p:ext>
     </p:extLst>
   </p:cSld>

--- a/impact of covid on mental health.pptx
+++ b/impact of covid on mental health.pptx
@@ -5,20 +5,19 @@
     <p:sldMasterId id="2147483660" r:id="rId1"/>
   </p:sldMasterIdLst>
   <p:sldIdLst>
-    <p:sldId id="259" r:id="rId2"/>
-    <p:sldId id="257" r:id="rId3"/>
-    <p:sldId id="258" r:id="rId4"/>
-    <p:sldId id="267" r:id="rId5"/>
-    <p:sldId id="269" r:id="rId6"/>
-    <p:sldId id="270" r:id="rId7"/>
-    <p:sldId id="271" r:id="rId8"/>
-    <p:sldId id="277" r:id="rId9"/>
-    <p:sldId id="278" r:id="rId10"/>
-    <p:sldId id="273" r:id="rId11"/>
-    <p:sldId id="272" r:id="rId12"/>
-    <p:sldId id="274" r:id="rId13"/>
-    <p:sldId id="275" r:id="rId14"/>
-    <p:sldId id="276" r:id="rId15"/>
+    <p:sldId id="257" r:id="rId2"/>
+    <p:sldId id="258" r:id="rId3"/>
+    <p:sldId id="267" r:id="rId4"/>
+    <p:sldId id="269" r:id="rId5"/>
+    <p:sldId id="270" r:id="rId6"/>
+    <p:sldId id="271" r:id="rId7"/>
+    <p:sldId id="277" r:id="rId8"/>
+    <p:sldId id="278" r:id="rId9"/>
+    <p:sldId id="273" r:id="rId10"/>
+    <p:sldId id="272" r:id="rId11"/>
+    <p:sldId id="274" r:id="rId12"/>
+    <p:sldId id="275" r:id="rId13"/>
+    <p:sldId id="276" r:id="rId14"/>
   </p:sldIdLst>
   <p:sldSz cx="12192000" cy="6858000"/>
   <p:notesSz cx="6858000" cy="9144000"/>
@@ -847,7 +846,7 @@
           <a:p>
             <a:fld id="{3ED37A20-15BF-40A6-9394-A94FB503F24D}" type="datetimeFigureOut">
               <a:rPr lang="zh-CN" altLang="en-US" smtClean="0"/>
-              <a:t>2021/4/29</a:t>
+              <a:t>2021/5/1</a:t>
             </a:fld>
             <a:endParaRPr lang="zh-CN" altLang="en-US"/>
           </a:p>
@@ -1098,7 +1097,7 @@
           <a:p>
             <a:fld id="{3ED37A20-15BF-40A6-9394-A94FB503F24D}" type="datetimeFigureOut">
               <a:rPr lang="zh-CN" altLang="en-US" smtClean="0"/>
-              <a:t>2021/4/29</a:t>
+              <a:t>2021/5/1</a:t>
             </a:fld>
             <a:endParaRPr lang="zh-CN" altLang="en-US"/>
           </a:p>
@@ -1412,7 +1411,7 @@
           <a:p>
             <a:fld id="{3ED37A20-15BF-40A6-9394-A94FB503F24D}" type="datetimeFigureOut">
               <a:rPr lang="zh-CN" altLang="en-US" smtClean="0"/>
-              <a:t>2021/4/29</a:t>
+              <a:t>2021/5/1</a:t>
             </a:fld>
             <a:endParaRPr lang="zh-CN" altLang="en-US"/>
           </a:p>
@@ -1753,7 +1752,7 @@
           <a:p>
             <a:fld id="{3ED37A20-15BF-40A6-9394-A94FB503F24D}" type="datetimeFigureOut">
               <a:rPr lang="zh-CN" altLang="en-US" smtClean="0"/>
-              <a:t>2021/4/29</a:t>
+              <a:t>2021/5/1</a:t>
             </a:fld>
             <a:endParaRPr lang="zh-CN" altLang="en-US"/>
           </a:p>
@@ -2067,7 +2066,7 @@
           <a:p>
             <a:fld id="{3ED37A20-15BF-40A6-9394-A94FB503F24D}" type="datetimeFigureOut">
               <a:rPr lang="zh-CN" altLang="en-US" smtClean="0"/>
-              <a:t>2021/4/29</a:t>
+              <a:t>2021/5/1</a:t>
             </a:fld>
             <a:endParaRPr lang="zh-CN" altLang="en-US"/>
           </a:p>
@@ -2460,7 +2459,7 @@
           <a:p>
             <a:fld id="{3ED37A20-15BF-40A6-9394-A94FB503F24D}" type="datetimeFigureOut">
               <a:rPr lang="zh-CN" altLang="en-US" smtClean="0"/>
-              <a:t>2021/4/29</a:t>
+              <a:t>2021/5/1</a:t>
             </a:fld>
             <a:endParaRPr lang="zh-CN" altLang="en-US"/>
           </a:p>
@@ -2630,7 +2629,7 @@
           <a:p>
             <a:fld id="{3ED37A20-15BF-40A6-9394-A94FB503F24D}" type="datetimeFigureOut">
               <a:rPr lang="zh-CN" altLang="en-US" smtClean="0"/>
-              <a:t>2021/4/29</a:t>
+              <a:t>2021/5/1</a:t>
             </a:fld>
             <a:endParaRPr lang="zh-CN" altLang="en-US"/>
           </a:p>
@@ -2810,7 +2809,7 @@
           <a:p>
             <a:fld id="{3ED37A20-15BF-40A6-9394-A94FB503F24D}" type="datetimeFigureOut">
               <a:rPr lang="zh-CN" altLang="en-US" smtClean="0"/>
-              <a:t>2021/4/29</a:t>
+              <a:t>2021/5/1</a:t>
             </a:fld>
             <a:endParaRPr lang="zh-CN" altLang="en-US"/>
           </a:p>
@@ -2986,7 +2985,7 @@
           <a:p>
             <a:fld id="{3ED37A20-15BF-40A6-9394-A94FB503F24D}" type="datetimeFigureOut">
               <a:rPr lang="zh-CN" altLang="en-US" smtClean="0"/>
-              <a:t>2021/4/29</a:t>
+              <a:t>2021/5/1</a:t>
             </a:fld>
             <a:endParaRPr lang="zh-CN" altLang="en-US"/>
           </a:p>
@@ -3233,7 +3232,7 @@
           <a:p>
             <a:fld id="{3ED37A20-15BF-40A6-9394-A94FB503F24D}" type="datetimeFigureOut">
               <a:rPr lang="zh-CN" altLang="en-US" smtClean="0"/>
-              <a:t>2021/4/29</a:t>
+              <a:t>2021/5/1</a:t>
             </a:fld>
             <a:endParaRPr lang="zh-CN" altLang="en-US"/>
           </a:p>
@@ -3465,7 +3464,7 @@
           <a:p>
             <a:fld id="{3ED37A20-15BF-40A6-9394-A94FB503F24D}" type="datetimeFigureOut">
               <a:rPr lang="zh-CN" altLang="en-US" smtClean="0"/>
-              <a:t>2021/4/29</a:t>
+              <a:t>2021/5/1</a:t>
             </a:fld>
             <a:endParaRPr lang="zh-CN" altLang="en-US"/>
           </a:p>
@@ -3839,7 +3838,7 @@
           <a:p>
             <a:fld id="{3ED37A20-15BF-40A6-9394-A94FB503F24D}" type="datetimeFigureOut">
               <a:rPr lang="zh-CN" altLang="en-US" smtClean="0"/>
-              <a:t>2021/4/29</a:t>
+              <a:t>2021/5/1</a:t>
             </a:fld>
             <a:endParaRPr lang="zh-CN" altLang="en-US"/>
           </a:p>
@@ -3962,7 +3961,7 @@
           <a:p>
             <a:fld id="{3ED37A20-15BF-40A6-9394-A94FB503F24D}" type="datetimeFigureOut">
               <a:rPr lang="zh-CN" altLang="en-US" smtClean="0"/>
-              <a:t>2021/4/29</a:t>
+              <a:t>2021/5/1</a:t>
             </a:fld>
             <a:endParaRPr lang="zh-CN" altLang="en-US"/>
           </a:p>
@@ -4057,7 +4056,7 @@
           <a:p>
             <a:fld id="{3ED37A20-15BF-40A6-9394-A94FB503F24D}" type="datetimeFigureOut">
               <a:rPr lang="zh-CN" altLang="en-US" smtClean="0"/>
-              <a:t>2021/4/29</a:t>
+              <a:t>2021/5/1</a:t>
             </a:fld>
             <a:endParaRPr lang="zh-CN" altLang="en-US"/>
           </a:p>
@@ -4312,7 +4311,7 @@
           <a:p>
             <a:fld id="{3ED37A20-15BF-40A6-9394-A94FB503F24D}" type="datetimeFigureOut">
               <a:rPr lang="zh-CN" altLang="en-US" smtClean="0"/>
-              <a:t>2021/4/29</a:t>
+              <a:t>2021/5/1</a:t>
             </a:fld>
             <a:endParaRPr lang="zh-CN" altLang="en-US"/>
           </a:p>
@@ -4575,7 +4574,7 @@
           <a:p>
             <a:fld id="{3ED37A20-15BF-40A6-9394-A94FB503F24D}" type="datetimeFigureOut">
               <a:rPr lang="zh-CN" altLang="en-US" smtClean="0"/>
-              <a:t>2021/4/29</a:t>
+              <a:t>2021/5/1</a:t>
             </a:fld>
             <a:endParaRPr lang="zh-CN" altLang="en-US"/>
           </a:p>
@@ -5318,7 +5317,7 @@
           <a:p>
             <a:fld id="{3ED37A20-15BF-40A6-9394-A94FB503F24D}" type="datetimeFigureOut">
               <a:rPr lang="zh-CN" altLang="en-US" smtClean="0"/>
-              <a:t>2021/4/29</a:t>
+              <a:t>2021/5/1</a:t>
             </a:fld>
             <a:endParaRPr lang="zh-CN" altLang="en-US"/>
           </a:p>
@@ -5847,7 +5846,7 @@
           <p:cNvPr id="2" name="Title 1">
             <a:extLst>
               <a:ext uri="{FF2B5EF4-FFF2-40B4-BE49-F238E27FC236}">
-                <a16:creationId xmlns:a16="http://schemas.microsoft.com/office/drawing/2014/main" id="{0DD05B46-B849-438E-A224-AB8EA5A06794}"/>
+                <a16:creationId xmlns:a16="http://schemas.microsoft.com/office/drawing/2014/main" id="{E77FAB68-B0C1-4792-A405-263FDC21E934}"/>
               </a:ext>
             </a:extLst>
           </p:cNvPr>
@@ -5855,7 +5854,7 @@
             <a:spLocks noGrp="1"/>
           </p:cNvSpPr>
           <p:nvPr>
-            <p:ph type="title"/>
+            <p:ph type="ctrTitle"/>
           </p:nvPr>
         </p:nvSpPr>
         <p:spPr/>
@@ -5863,9 +5862,10 @@
           <a:bodyPr/>
           <a:lstStyle/>
           <a:p>
+            <a:pPr algn="l"/>
             <a:r>
               <a:rPr lang="en-US" altLang="zh-CN" dirty="0"/>
-              <a:t>This is a template. You can input anything or modify anything.</a:t>
+              <a:t>Impact of COVID-19 on Mental Health in United States</a:t>
             </a:r>
             <a:endParaRPr lang="zh-CN" altLang="en-US" dirty="0"/>
           </a:p>
@@ -5873,10 +5873,10 @@
       </p:sp>
       <p:sp>
         <p:nvSpPr>
-          <p:cNvPr id="3" name="Text Placeholder 2">
+          <p:cNvPr id="3" name="Subtitle 2">
             <a:extLst>
               <a:ext uri="{FF2B5EF4-FFF2-40B4-BE49-F238E27FC236}">
-                <a16:creationId xmlns:a16="http://schemas.microsoft.com/office/drawing/2014/main" id="{551C1BDF-8C63-4C57-AF6B-0A6DED7B62A5}"/>
+                <a16:creationId xmlns:a16="http://schemas.microsoft.com/office/drawing/2014/main" id="{5058D887-27D4-4B4C-947D-8B727D388F8B}"/>
               </a:ext>
             </a:extLst>
           </p:cNvPr>
@@ -5884,47 +5884,74 @@
             <a:spLocks noGrp="1"/>
           </p:cNvSpPr>
           <p:nvPr>
-            <p:ph type="body" sz="quarter" idx="13"/>
+            <p:ph type="subTitle" idx="1"/>
           </p:nvPr>
         </p:nvSpPr>
         <p:spPr/>
         <p:txBody>
-          <a:bodyPr/>
+          <a:bodyPr>
+            <a:noAutofit/>
+          </a:bodyPr>
           <a:lstStyle/>
           <a:p>
-            <a:endParaRPr lang="zh-CN" altLang="en-US"/>
-          </a:p>
-        </p:txBody>
-      </p:sp>
-      <p:sp>
-        <p:nvSpPr>
-          <p:cNvPr id="4" name="Text Placeholder 3">
-            <a:extLst>
-              <a:ext uri="{FF2B5EF4-FFF2-40B4-BE49-F238E27FC236}">
-                <a16:creationId xmlns:a16="http://schemas.microsoft.com/office/drawing/2014/main" id="{D4279937-B37C-4CCC-A5AD-8366966AF7C5}"/>
-              </a:ext>
-            </a:extLst>
-          </p:cNvPr>
-          <p:cNvSpPr>
-            <a:spLocks noGrp="1"/>
-          </p:cNvSpPr>
-          <p:nvPr>
-            <p:ph type="body" idx="1"/>
-          </p:nvPr>
-        </p:nvSpPr>
-        <p:spPr/>
-        <p:txBody>
-          <a:bodyPr/>
-          <a:lstStyle/>
-          <a:p>
-            <a:endParaRPr lang="zh-CN" altLang="en-US"/>
+            <a:pPr algn="l"/>
+            <a:r>
+              <a:rPr lang="en-US" altLang="zh-CN" sz="2000" dirty="0"/>
+              <a:t>Group D1: </a:t>
+            </a:r>
+            <a:r>
+              <a:rPr lang="zh-CN" altLang="zh-CN" sz="2000" dirty="0">
+                <a:effectLst/>
+                <a:ea typeface="Arial" panose="020B0604020202020204" pitchFamily="34" charset="0"/>
+              </a:rPr>
+              <a:t>Jie Feng, Jungkyu Kim, Riley Williamson, Rodney Davemann,Veera Supraja Koppisetty, Felix Ogbodu</a:t>
+            </a:r>
+            <a:endParaRPr lang="en-US" altLang="zh-CN" sz="2000" dirty="0">
+              <a:effectLst/>
+              <a:ea typeface="Arial" panose="020B0604020202020204" pitchFamily="34" charset="0"/>
+            </a:endParaRPr>
+          </a:p>
+          <a:p>
+            <a:pPr algn="l"/>
+            <a:r>
+              <a:rPr lang="en-US" altLang="zh-CN" sz="2000" dirty="0"/>
+              <a:t>Instructor: Thomas </a:t>
+            </a:r>
+            <a:r>
+              <a:rPr lang="en-US" altLang="zh-CN" sz="2000" dirty="0" err="1"/>
+              <a:t>Raczkowski</a:t>
+            </a:r>
+            <a:endParaRPr lang="en-US" altLang="zh-CN" sz="2000" dirty="0"/>
+          </a:p>
+          <a:p>
+            <a:pPr algn="l"/>
+            <a:r>
+              <a:rPr lang="en-US" altLang="zh-CN" sz="2000" dirty="0"/>
+              <a:t>TA: </a:t>
+            </a:r>
+            <a:r>
+              <a:rPr lang="en-US" altLang="zh-CN" sz="2000" dirty="0" err="1"/>
+              <a:t>Sumit</a:t>
+            </a:r>
+            <a:r>
+              <a:rPr lang="en-US" altLang="zh-CN" sz="2000" dirty="0"/>
+              <a:t> Malik</a:t>
+            </a:r>
+          </a:p>
+          <a:p>
+            <a:pPr algn="l"/>
+            <a:r>
+              <a:rPr lang="en-US" altLang="zh-CN" sz="2000" dirty="0"/>
+              <a:t>Date: 05/01/2021</a:t>
+            </a:r>
+            <a:endParaRPr lang="zh-CN" altLang="en-US" sz="2000" dirty="0"/>
           </a:p>
         </p:txBody>
       </p:sp>
     </p:spTree>
     <p:extLst>
       <p:ext uri="{BB962C8B-B14F-4D97-AF65-F5344CB8AC3E}">
-        <p14:creationId xmlns:p14="http://schemas.microsoft.com/office/powerpoint/2010/main" val="2824297266"/>
+        <p14:creationId xmlns:p14="http://schemas.microsoft.com/office/powerpoint/2010/main" val="731771914"/>
       </p:ext>
     </p:extLst>
   </p:cSld>
@@ -5937,6 +5964,14 @@
 <file path=ppt/slides/slide10.xml><?xml version="1.0" encoding="utf-8"?>
 <p:sld xmlns:a="http://schemas.openxmlformats.org/drawingml/2006/main" xmlns:r="http://schemas.openxmlformats.org/officeDocument/2006/relationships" xmlns:p="http://schemas.openxmlformats.org/presentationml/2006/main">
   <p:cSld>
+    <p:bg>
+      <p:bgPr>
+        <a:solidFill>
+          <a:schemeClr val="bg1"/>
+        </a:solidFill>
+        <a:effectLst/>
+      </p:bgPr>
+    </p:bg>
     <p:spTree>
       <p:nvGrpSpPr>
         <p:cNvPr id="1" name=""/>
@@ -5951,6 +5986,703 @@
           <a:chExt cx="0" cy="0"/>
         </a:xfrm>
       </p:grpSpPr>
+      <p:grpSp>
+        <p:nvGrpSpPr>
+          <p:cNvPr id="28" name="Group 27">
+            <a:extLst>
+              <a:ext uri="{FF2B5EF4-FFF2-40B4-BE49-F238E27FC236}">
+                <a16:creationId xmlns:a16="http://schemas.microsoft.com/office/drawing/2014/main" id="{90A61547-2555-4DE2-A37F-A53E54917441}"/>
+              </a:ext>
+              <a:ext uri="{C183D7F6-B498-43B3-948B-1728B52AA6E4}">
+                <adec:decorative xmlns:adec="http://schemas.microsoft.com/office/drawing/2017/decorative" val="1"/>
+              </a:ext>
+            </a:extLst>
+          </p:cNvPr>
+          <p:cNvGrpSpPr>
+            <a:grpSpLocks noGrp="1" noUngrp="1" noRot="1" noChangeAspect="1" noMove="1" noResize="1"/>
+          </p:cNvGrpSpPr>
+          <p:nvPr>
+            <p:extLst>
+              <p:ext uri="{386F3935-93C4-4BCD-93E2-E3B085C9AB24}">
+                <p16:designElem xmlns:p16="http://schemas.microsoft.com/office/powerpoint/2015/main" val="1"/>
+              </p:ext>
+            </p:extLst>
+          </p:nvPr>
+        </p:nvGrpSpPr>
+        <p:grpSpPr>
+          <a:xfrm>
+            <a:off x="0" y="-8467"/>
+            <a:ext cx="12192000" cy="6866467"/>
+            <a:chOff x="0" y="-8467"/>
+            <a:chExt cx="12192000" cy="6866467"/>
+          </a:xfrm>
+        </p:grpSpPr>
+        <p:cxnSp>
+          <p:nvCxnSpPr>
+            <p:cNvPr id="29" name="Straight Connector 28">
+              <a:extLst>
+                <a:ext uri="{FF2B5EF4-FFF2-40B4-BE49-F238E27FC236}">
+                  <a16:creationId xmlns:a16="http://schemas.microsoft.com/office/drawing/2014/main" id="{5C2447E0-8F0D-479C-94E4-82BC8EB68C0C}"/>
+                </a:ext>
+                <a:ext uri="{C183D7F6-B498-43B3-948B-1728B52AA6E4}">
+                  <adec:decorative xmlns:adec="http://schemas.microsoft.com/office/drawing/2017/decorative" val="1"/>
+                </a:ext>
+              </a:extLst>
+            </p:cNvPr>
+            <p:cNvCxnSpPr/>
+            <p:nvPr>
+              <p:extLst>
+                <p:ext uri="{386F3935-93C4-4BCD-93E2-E3B085C9AB24}">
+                  <p16:designElem xmlns:p16="http://schemas.microsoft.com/office/powerpoint/2015/main" val="1"/>
+                </p:ext>
+              </p:extLst>
+            </p:nvPr>
+          </p:nvCxnSpPr>
+          <p:spPr>
+            <a:xfrm>
+              <a:off x="9371012" y="0"/>
+              <a:ext cx="1219200" cy="6858000"/>
+            </a:xfrm>
+            <a:prstGeom prst="line">
+              <a:avLst/>
+            </a:prstGeom>
+            <a:ln w="9525">
+              <a:solidFill>
+                <a:schemeClr val="bg1">
+                  <a:lumMod val="75000"/>
+                </a:schemeClr>
+              </a:solidFill>
+            </a:ln>
+          </p:spPr>
+          <p:style>
+            <a:lnRef idx="2">
+              <a:schemeClr val="accent1"/>
+            </a:lnRef>
+            <a:fillRef idx="0">
+              <a:schemeClr val="accent1"/>
+            </a:fillRef>
+            <a:effectRef idx="1">
+              <a:schemeClr val="accent1"/>
+            </a:effectRef>
+            <a:fontRef idx="minor">
+              <a:schemeClr val="tx1"/>
+            </a:fontRef>
+          </p:style>
+        </p:cxnSp>
+        <p:cxnSp>
+          <p:nvCxnSpPr>
+            <p:cNvPr id="30" name="Straight Connector 29">
+              <a:extLst>
+                <a:ext uri="{FF2B5EF4-FFF2-40B4-BE49-F238E27FC236}">
+                  <a16:creationId xmlns:a16="http://schemas.microsoft.com/office/drawing/2014/main" id="{1F943397-DCDD-44CB-BBA9-9510B7698DD2}"/>
+                </a:ext>
+                <a:ext uri="{C183D7F6-B498-43B3-948B-1728B52AA6E4}">
+                  <adec:decorative xmlns:adec="http://schemas.microsoft.com/office/drawing/2017/decorative" val="1"/>
+                </a:ext>
+              </a:extLst>
+            </p:cNvPr>
+            <p:cNvCxnSpPr/>
+            <p:nvPr>
+              <p:extLst>
+                <p:ext uri="{386F3935-93C4-4BCD-93E2-E3B085C9AB24}">
+                  <p16:designElem xmlns:p16="http://schemas.microsoft.com/office/powerpoint/2015/main" val="1"/>
+                </p:ext>
+              </p:extLst>
+            </p:nvPr>
+          </p:nvCxnSpPr>
+          <p:spPr>
+            <a:xfrm flipH="1">
+              <a:off x="7425267" y="3681413"/>
+              <a:ext cx="4763558" cy="3176587"/>
+            </a:xfrm>
+            <a:prstGeom prst="line">
+              <a:avLst/>
+            </a:prstGeom>
+            <a:ln w="9525">
+              <a:solidFill>
+                <a:schemeClr val="bg1">
+                  <a:lumMod val="85000"/>
+                </a:schemeClr>
+              </a:solidFill>
+            </a:ln>
+          </p:spPr>
+          <p:style>
+            <a:lnRef idx="2">
+              <a:schemeClr val="accent1"/>
+            </a:lnRef>
+            <a:fillRef idx="0">
+              <a:schemeClr val="accent1"/>
+            </a:fillRef>
+            <a:effectRef idx="1">
+              <a:schemeClr val="accent1"/>
+            </a:effectRef>
+            <a:fontRef idx="minor">
+              <a:schemeClr val="tx1"/>
+            </a:fontRef>
+          </p:style>
+        </p:cxnSp>
+        <p:sp>
+          <p:nvSpPr>
+            <p:cNvPr id="31" name="Rectangle 23">
+              <a:extLst>
+                <a:ext uri="{FF2B5EF4-FFF2-40B4-BE49-F238E27FC236}">
+                  <a16:creationId xmlns:a16="http://schemas.microsoft.com/office/drawing/2014/main" id="{E2630ADC-31DB-4C48-AC4A-DAAE5A7B8EA6}"/>
+                </a:ext>
+                <a:ext uri="{C183D7F6-B498-43B3-948B-1728B52AA6E4}">
+                  <adec:decorative xmlns:adec="http://schemas.microsoft.com/office/drawing/2017/decorative" val="1"/>
+                </a:ext>
+              </a:extLst>
+            </p:cNvPr>
+            <p:cNvSpPr/>
+            <p:nvPr>
+              <p:extLst>
+                <p:ext uri="{386F3935-93C4-4BCD-93E2-E3B085C9AB24}">
+                  <p16:designElem xmlns:p16="http://schemas.microsoft.com/office/powerpoint/2015/main" val="1"/>
+                </p:ext>
+              </p:extLst>
+            </p:nvPr>
+          </p:nvSpPr>
+          <p:spPr>
+            <a:xfrm>
+              <a:off x="9181476" y="-8467"/>
+              <a:ext cx="3007349" cy="6866467"/>
+            </a:xfrm>
+            <a:custGeom>
+              <a:avLst/>
+              <a:gdLst/>
+              <a:ahLst/>
+              <a:cxnLst/>
+              <a:rect l="l" t="t" r="r" b="b"/>
+              <a:pathLst>
+                <a:path w="3007349" h="6866467">
+                  <a:moveTo>
+                    <a:pt x="2045532" y="0"/>
+                  </a:moveTo>
+                  <a:lnTo>
+                    <a:pt x="3007349" y="0"/>
+                  </a:lnTo>
+                  <a:lnTo>
+                    <a:pt x="3007349" y="6866467"/>
+                  </a:lnTo>
+                  <a:lnTo>
+                    <a:pt x="0" y="6866467"/>
+                  </a:lnTo>
+                  <a:lnTo>
+                    <a:pt x="2045532" y="0"/>
+                  </a:lnTo>
+                  <a:close/>
+                </a:path>
+              </a:pathLst>
+            </a:custGeom>
+            <a:solidFill>
+              <a:schemeClr val="accent1">
+                <a:alpha val="30000"/>
+              </a:schemeClr>
+            </a:solidFill>
+            <a:ln>
+              <a:noFill/>
+            </a:ln>
+            <a:effectLst/>
+          </p:spPr>
+          <p:style>
+            <a:lnRef idx="1">
+              <a:schemeClr val="accent1"/>
+            </a:lnRef>
+            <a:fillRef idx="3">
+              <a:schemeClr val="accent1"/>
+            </a:fillRef>
+            <a:effectRef idx="2">
+              <a:schemeClr val="accent1"/>
+            </a:effectRef>
+            <a:fontRef idx="minor">
+              <a:schemeClr val="lt1"/>
+            </a:fontRef>
+          </p:style>
+        </p:sp>
+        <p:sp>
+          <p:nvSpPr>
+            <p:cNvPr id="32" name="Rectangle 25">
+              <a:extLst>
+                <a:ext uri="{FF2B5EF4-FFF2-40B4-BE49-F238E27FC236}">
+                  <a16:creationId xmlns:a16="http://schemas.microsoft.com/office/drawing/2014/main" id="{2CA5C44E-F54E-47E0-8989-4D8686B33C80}"/>
+                </a:ext>
+                <a:ext uri="{C183D7F6-B498-43B3-948B-1728B52AA6E4}">
+                  <adec:decorative xmlns:adec="http://schemas.microsoft.com/office/drawing/2017/decorative" val="1"/>
+                </a:ext>
+              </a:extLst>
+            </p:cNvPr>
+            <p:cNvSpPr/>
+            <p:nvPr>
+              <p:extLst>
+                <p:ext uri="{386F3935-93C4-4BCD-93E2-E3B085C9AB24}">
+                  <p16:designElem xmlns:p16="http://schemas.microsoft.com/office/powerpoint/2015/main" val="1"/>
+                </p:ext>
+              </p:extLst>
+            </p:nvPr>
+          </p:nvSpPr>
+          <p:spPr>
+            <a:xfrm>
+              <a:off x="9603442" y="-8467"/>
+              <a:ext cx="2588558" cy="6866467"/>
+            </a:xfrm>
+            <a:custGeom>
+              <a:avLst/>
+              <a:gdLst/>
+              <a:ahLst/>
+              <a:cxnLst/>
+              <a:rect l="l" t="t" r="r" b="b"/>
+              <a:pathLst>
+                <a:path w="2573311" h="6866467">
+                  <a:moveTo>
+                    <a:pt x="0" y="0"/>
+                  </a:moveTo>
+                  <a:lnTo>
+                    <a:pt x="2573311" y="0"/>
+                  </a:lnTo>
+                  <a:lnTo>
+                    <a:pt x="2573311" y="6866467"/>
+                  </a:lnTo>
+                  <a:lnTo>
+                    <a:pt x="1202336" y="6866467"/>
+                  </a:lnTo>
+                  <a:lnTo>
+                    <a:pt x="0" y="0"/>
+                  </a:lnTo>
+                  <a:close/>
+                </a:path>
+              </a:pathLst>
+            </a:custGeom>
+            <a:solidFill>
+              <a:schemeClr val="accent1">
+                <a:alpha val="20000"/>
+              </a:schemeClr>
+            </a:solidFill>
+            <a:ln>
+              <a:noFill/>
+            </a:ln>
+            <a:effectLst/>
+          </p:spPr>
+          <p:style>
+            <a:lnRef idx="1">
+              <a:schemeClr val="accent1"/>
+            </a:lnRef>
+            <a:fillRef idx="3">
+              <a:schemeClr val="accent1"/>
+            </a:fillRef>
+            <a:effectRef idx="2">
+              <a:schemeClr val="accent1"/>
+            </a:effectRef>
+            <a:fontRef idx="minor">
+              <a:schemeClr val="lt1"/>
+            </a:fontRef>
+          </p:style>
+        </p:sp>
+        <p:sp>
+          <p:nvSpPr>
+            <p:cNvPr id="33" name="Isosceles Triangle 32">
+              <a:extLst>
+                <a:ext uri="{FF2B5EF4-FFF2-40B4-BE49-F238E27FC236}">
+                  <a16:creationId xmlns:a16="http://schemas.microsoft.com/office/drawing/2014/main" id="{FF54E15E-830B-4375-A239-4C51954DEAEC}"/>
+                </a:ext>
+                <a:ext uri="{C183D7F6-B498-43B3-948B-1728B52AA6E4}">
+                  <adec:decorative xmlns:adec="http://schemas.microsoft.com/office/drawing/2017/decorative" val="1"/>
+                </a:ext>
+              </a:extLst>
+            </p:cNvPr>
+            <p:cNvSpPr/>
+            <p:nvPr>
+              <p:extLst>
+                <p:ext uri="{386F3935-93C4-4BCD-93E2-E3B085C9AB24}">
+                  <p16:designElem xmlns:p16="http://schemas.microsoft.com/office/powerpoint/2015/main" val="1"/>
+                </p:ext>
+              </p:extLst>
+            </p:nvPr>
+          </p:nvSpPr>
+          <p:spPr>
+            <a:xfrm>
+              <a:off x="8932333" y="3048000"/>
+              <a:ext cx="3259667" cy="3810000"/>
+            </a:xfrm>
+            <a:prstGeom prst="triangle">
+              <a:avLst>
+                <a:gd name="adj" fmla="val 100000"/>
+              </a:avLst>
+            </a:prstGeom>
+            <a:solidFill>
+              <a:schemeClr val="accent2">
+                <a:alpha val="72000"/>
+              </a:schemeClr>
+            </a:solidFill>
+            <a:ln>
+              <a:noFill/>
+            </a:ln>
+            <a:effectLst/>
+          </p:spPr>
+          <p:style>
+            <a:lnRef idx="1">
+              <a:schemeClr val="accent1"/>
+            </a:lnRef>
+            <a:fillRef idx="3">
+              <a:schemeClr val="accent1"/>
+            </a:fillRef>
+            <a:effectRef idx="2">
+              <a:schemeClr val="accent1"/>
+            </a:effectRef>
+            <a:fontRef idx="minor">
+              <a:schemeClr val="lt1"/>
+            </a:fontRef>
+          </p:style>
+        </p:sp>
+        <p:sp>
+          <p:nvSpPr>
+            <p:cNvPr id="34" name="Rectangle 27">
+              <a:extLst>
+                <a:ext uri="{FF2B5EF4-FFF2-40B4-BE49-F238E27FC236}">
+                  <a16:creationId xmlns:a16="http://schemas.microsoft.com/office/drawing/2014/main" id="{CB37E322-FF7E-4872-BD6B-50A48CBEA5CE}"/>
+                </a:ext>
+                <a:ext uri="{C183D7F6-B498-43B3-948B-1728B52AA6E4}">
+                  <adec:decorative xmlns:adec="http://schemas.microsoft.com/office/drawing/2017/decorative" val="1"/>
+                </a:ext>
+              </a:extLst>
+            </p:cNvPr>
+            <p:cNvSpPr/>
+            <p:nvPr>
+              <p:extLst>
+                <p:ext uri="{386F3935-93C4-4BCD-93E2-E3B085C9AB24}">
+                  <p16:designElem xmlns:p16="http://schemas.microsoft.com/office/powerpoint/2015/main" val="1"/>
+                </p:ext>
+              </p:extLst>
+            </p:nvPr>
+          </p:nvSpPr>
+          <p:spPr>
+            <a:xfrm>
+              <a:off x="9334500" y="-8467"/>
+              <a:ext cx="2854326" cy="6866467"/>
+            </a:xfrm>
+            <a:custGeom>
+              <a:avLst/>
+              <a:gdLst/>
+              <a:ahLst/>
+              <a:cxnLst/>
+              <a:rect l="l" t="t" r="r" b="b"/>
+              <a:pathLst>
+                <a:path w="2858013" h="6866467">
+                  <a:moveTo>
+                    <a:pt x="0" y="0"/>
+                  </a:moveTo>
+                  <a:lnTo>
+                    <a:pt x="2858013" y="0"/>
+                  </a:lnTo>
+                  <a:lnTo>
+                    <a:pt x="2858013" y="6866467"/>
+                  </a:lnTo>
+                  <a:lnTo>
+                    <a:pt x="2473942" y="6866467"/>
+                  </a:lnTo>
+                  <a:lnTo>
+                    <a:pt x="0" y="0"/>
+                  </a:lnTo>
+                  <a:close/>
+                </a:path>
+              </a:pathLst>
+            </a:custGeom>
+            <a:solidFill>
+              <a:schemeClr val="accent2">
+                <a:lumMod val="75000"/>
+                <a:alpha val="70000"/>
+              </a:schemeClr>
+            </a:solidFill>
+            <a:ln>
+              <a:noFill/>
+            </a:ln>
+            <a:effectLst/>
+          </p:spPr>
+          <p:style>
+            <a:lnRef idx="1">
+              <a:schemeClr val="accent1"/>
+            </a:lnRef>
+            <a:fillRef idx="3">
+              <a:schemeClr val="accent1"/>
+            </a:fillRef>
+            <a:effectRef idx="2">
+              <a:schemeClr val="accent1"/>
+            </a:effectRef>
+            <a:fontRef idx="minor">
+              <a:schemeClr val="lt1"/>
+            </a:fontRef>
+          </p:style>
+        </p:sp>
+        <p:sp>
+          <p:nvSpPr>
+            <p:cNvPr id="35" name="Rectangle 28">
+              <a:extLst>
+                <a:ext uri="{FF2B5EF4-FFF2-40B4-BE49-F238E27FC236}">
+                  <a16:creationId xmlns:a16="http://schemas.microsoft.com/office/drawing/2014/main" id="{710D0C1E-D2F8-45B2-AE14-1AC8E976F7A2}"/>
+                </a:ext>
+                <a:ext uri="{C183D7F6-B498-43B3-948B-1728B52AA6E4}">
+                  <adec:decorative xmlns:adec="http://schemas.microsoft.com/office/drawing/2017/decorative" val="1"/>
+                </a:ext>
+              </a:extLst>
+            </p:cNvPr>
+            <p:cNvSpPr/>
+            <p:nvPr>
+              <p:extLst>
+                <p:ext uri="{386F3935-93C4-4BCD-93E2-E3B085C9AB24}">
+                  <p16:designElem xmlns:p16="http://schemas.microsoft.com/office/powerpoint/2015/main" val="1"/>
+                </p:ext>
+              </p:extLst>
+            </p:nvPr>
+          </p:nvSpPr>
+          <p:spPr>
+            <a:xfrm>
+              <a:off x="10898730" y="-8467"/>
+              <a:ext cx="1290094" cy="6866467"/>
+            </a:xfrm>
+            <a:custGeom>
+              <a:avLst/>
+              <a:gdLst/>
+              <a:ahLst/>
+              <a:cxnLst/>
+              <a:rect l="l" t="t" r="r" b="b"/>
+              <a:pathLst>
+                <a:path w="1290094" h="6858000">
+                  <a:moveTo>
+                    <a:pt x="1019735" y="0"/>
+                  </a:moveTo>
+                  <a:lnTo>
+                    <a:pt x="1290094" y="0"/>
+                  </a:lnTo>
+                  <a:lnTo>
+                    <a:pt x="1290094" y="6858000"/>
+                  </a:lnTo>
+                  <a:lnTo>
+                    <a:pt x="0" y="6858000"/>
+                  </a:lnTo>
+                  <a:lnTo>
+                    <a:pt x="1019735" y="0"/>
+                  </a:lnTo>
+                  <a:close/>
+                </a:path>
+              </a:pathLst>
+            </a:custGeom>
+            <a:solidFill>
+              <a:schemeClr val="accent1">
+                <a:lumMod val="60000"/>
+                <a:lumOff val="40000"/>
+                <a:alpha val="70000"/>
+              </a:schemeClr>
+            </a:solidFill>
+            <a:ln>
+              <a:noFill/>
+            </a:ln>
+            <a:effectLst/>
+          </p:spPr>
+          <p:style>
+            <a:lnRef idx="1">
+              <a:schemeClr val="accent1"/>
+            </a:lnRef>
+            <a:fillRef idx="3">
+              <a:schemeClr val="accent1"/>
+            </a:fillRef>
+            <a:effectRef idx="2">
+              <a:schemeClr val="accent1"/>
+            </a:effectRef>
+            <a:fontRef idx="minor">
+              <a:schemeClr val="lt1"/>
+            </a:fontRef>
+          </p:style>
+        </p:sp>
+        <p:sp>
+          <p:nvSpPr>
+            <p:cNvPr id="36" name="Rectangle 29">
+              <a:extLst>
+                <a:ext uri="{FF2B5EF4-FFF2-40B4-BE49-F238E27FC236}">
+                  <a16:creationId xmlns:a16="http://schemas.microsoft.com/office/drawing/2014/main" id="{3216331B-17D0-4167-ABD2-B2198058C2D2}"/>
+                </a:ext>
+                <a:ext uri="{C183D7F6-B498-43B3-948B-1728B52AA6E4}">
+                  <adec:decorative xmlns:adec="http://schemas.microsoft.com/office/drawing/2017/decorative" val="1"/>
+                </a:ext>
+              </a:extLst>
+            </p:cNvPr>
+            <p:cNvSpPr/>
+            <p:nvPr>
+              <p:extLst>
+                <p:ext uri="{386F3935-93C4-4BCD-93E2-E3B085C9AB24}">
+                  <p16:designElem xmlns:p16="http://schemas.microsoft.com/office/powerpoint/2015/main" val="1"/>
+                </p:ext>
+              </p:extLst>
+            </p:nvPr>
+          </p:nvSpPr>
+          <p:spPr>
+            <a:xfrm>
+              <a:off x="10938999" y="-8467"/>
+              <a:ext cx="1249825" cy="6866467"/>
+            </a:xfrm>
+            <a:custGeom>
+              <a:avLst/>
+              <a:gdLst/>
+              <a:ahLst/>
+              <a:cxnLst/>
+              <a:rect l="l" t="t" r="r" b="b"/>
+              <a:pathLst>
+                <a:path w="1249825" h="6858000">
+                  <a:moveTo>
+                    <a:pt x="0" y="0"/>
+                  </a:moveTo>
+                  <a:lnTo>
+                    <a:pt x="1249825" y="0"/>
+                  </a:lnTo>
+                  <a:lnTo>
+                    <a:pt x="1249825" y="6858000"/>
+                  </a:lnTo>
+                  <a:lnTo>
+                    <a:pt x="1109382" y="6858000"/>
+                  </a:lnTo>
+                  <a:lnTo>
+                    <a:pt x="0" y="0"/>
+                  </a:lnTo>
+                  <a:close/>
+                </a:path>
+              </a:pathLst>
+            </a:custGeom>
+            <a:solidFill>
+              <a:schemeClr val="accent1">
+                <a:alpha val="65000"/>
+              </a:schemeClr>
+            </a:solidFill>
+            <a:ln>
+              <a:noFill/>
+            </a:ln>
+            <a:effectLst/>
+          </p:spPr>
+          <p:style>
+            <a:lnRef idx="1">
+              <a:schemeClr val="accent1"/>
+            </a:lnRef>
+            <a:fillRef idx="3">
+              <a:schemeClr val="accent1"/>
+            </a:fillRef>
+            <a:effectRef idx="2">
+              <a:schemeClr val="accent1"/>
+            </a:effectRef>
+            <a:fontRef idx="minor">
+              <a:schemeClr val="lt1"/>
+            </a:fontRef>
+          </p:style>
+        </p:sp>
+        <p:sp>
+          <p:nvSpPr>
+            <p:cNvPr id="37" name="Isosceles Triangle 36">
+              <a:extLst>
+                <a:ext uri="{FF2B5EF4-FFF2-40B4-BE49-F238E27FC236}">
+                  <a16:creationId xmlns:a16="http://schemas.microsoft.com/office/drawing/2014/main" id="{A53A7A96-3806-4BB3-91DE-6EED48AC787E}"/>
+                </a:ext>
+                <a:ext uri="{C183D7F6-B498-43B3-948B-1728B52AA6E4}">
+                  <adec:decorative xmlns:adec="http://schemas.microsoft.com/office/drawing/2017/decorative" val="1"/>
+                </a:ext>
+              </a:extLst>
+            </p:cNvPr>
+            <p:cNvSpPr/>
+            <p:nvPr>
+              <p:extLst>
+                <p:ext uri="{386F3935-93C4-4BCD-93E2-E3B085C9AB24}">
+                  <p16:designElem xmlns:p16="http://schemas.microsoft.com/office/powerpoint/2015/main" val="1"/>
+                </p:ext>
+              </p:extLst>
+            </p:nvPr>
+          </p:nvSpPr>
+          <p:spPr>
+            <a:xfrm>
+              <a:off x="10371666" y="3589867"/>
+              <a:ext cx="1817159" cy="3268133"/>
+            </a:xfrm>
+            <a:prstGeom prst="triangle">
+              <a:avLst>
+                <a:gd name="adj" fmla="val 100000"/>
+              </a:avLst>
+            </a:prstGeom>
+            <a:solidFill>
+              <a:schemeClr val="accent1">
+                <a:alpha val="80000"/>
+              </a:schemeClr>
+            </a:solidFill>
+            <a:ln>
+              <a:noFill/>
+            </a:ln>
+            <a:effectLst/>
+          </p:spPr>
+          <p:style>
+            <a:lnRef idx="1">
+              <a:schemeClr val="accent1"/>
+            </a:lnRef>
+            <a:fillRef idx="3">
+              <a:schemeClr val="accent1"/>
+            </a:fillRef>
+            <a:effectRef idx="2">
+              <a:schemeClr val="accent1"/>
+            </a:effectRef>
+            <a:fontRef idx="minor">
+              <a:schemeClr val="lt1"/>
+            </a:fontRef>
+          </p:style>
+        </p:sp>
+        <p:sp>
+          <p:nvSpPr>
+            <p:cNvPr id="38" name="Isosceles Triangle 37">
+              <a:extLst>
+                <a:ext uri="{FF2B5EF4-FFF2-40B4-BE49-F238E27FC236}">
+                  <a16:creationId xmlns:a16="http://schemas.microsoft.com/office/drawing/2014/main" id="{F8C2B86C-EE71-466E-8991-503F9C9C1B22}"/>
+                </a:ext>
+                <a:ext uri="{C183D7F6-B498-43B3-948B-1728B52AA6E4}">
+                  <adec:decorative xmlns:adec="http://schemas.microsoft.com/office/drawing/2017/decorative" val="1"/>
+                </a:ext>
+              </a:extLst>
+            </p:cNvPr>
+            <p:cNvSpPr/>
+            <p:nvPr>
+              <p:extLst>
+                <p:ext uri="{386F3935-93C4-4BCD-93E2-E3B085C9AB24}">
+                  <p16:designElem xmlns:p16="http://schemas.microsoft.com/office/powerpoint/2015/main" val="1"/>
+                </p:ext>
+              </p:extLst>
+            </p:nvPr>
+          </p:nvSpPr>
+          <p:spPr>
+            <a:xfrm rot="10800000">
+              <a:off x="0" y="0"/>
+              <a:ext cx="842596" cy="5666154"/>
+            </a:xfrm>
+            <a:prstGeom prst="triangle">
+              <a:avLst>
+                <a:gd name="adj" fmla="val 100000"/>
+              </a:avLst>
+            </a:prstGeom>
+            <a:solidFill>
+              <a:schemeClr val="accent1">
+                <a:alpha val="85000"/>
+              </a:schemeClr>
+            </a:solidFill>
+            <a:ln>
+              <a:noFill/>
+            </a:ln>
+            <a:effectLst/>
+          </p:spPr>
+          <p:style>
+            <a:lnRef idx="1">
+              <a:schemeClr val="accent1"/>
+            </a:lnRef>
+            <a:fillRef idx="3">
+              <a:schemeClr val="accent1"/>
+            </a:fillRef>
+            <a:effectRef idx="2">
+              <a:schemeClr val="accent1"/>
+            </a:effectRef>
+            <a:fontRef idx="minor">
+              <a:schemeClr val="lt1"/>
+            </a:fontRef>
+          </p:style>
+        </p:sp>
+      </p:grpSp>
       <p:sp>
         <p:nvSpPr>
           <p:cNvPr id="2" name="Title 1">
@@ -5967,46 +6699,104 @@
             <p:ph type="title"/>
           </p:nvPr>
         </p:nvSpPr>
-        <p:spPr/>
-        <p:txBody>
-          <a:bodyPr/>
+        <p:spPr>
+          <a:xfrm>
+            <a:off x="985968" y="4473225"/>
+            <a:ext cx="8288035" cy="1095059"/>
+          </a:xfrm>
+        </p:spPr>
+        <p:txBody>
+          <a:bodyPr vert="horz" lIns="91440" tIns="45720" rIns="91440" bIns="45720" rtlCol="0" anchor="b">
+            <a:normAutofit/>
+          </a:bodyPr>
           <a:lstStyle/>
           <a:p>
-            <a:r>
-              <a:rPr lang="en-US" altLang="zh-CN" dirty="0"/>
-              <a:t>Graphing </a:t>
-            </a:r>
-            <a:endParaRPr lang="zh-CN" altLang="en-US" dirty="0"/>
-          </a:p>
-        </p:txBody>
-      </p:sp>
-      <p:sp>
-        <p:nvSpPr>
-          <p:cNvPr id="3" name="Content Placeholder 2">
+            <a:pPr algn="ctr">
+              <a:lnSpc>
+                <a:spcPct val="90000"/>
+              </a:lnSpc>
+            </a:pPr>
+            <a:r>
+              <a:rPr lang="en-US" altLang="zh-CN" sz="4100"/>
+              <a:t>Mental Illness vs COVID-19 Fatality </a:t>
+            </a:r>
+          </a:p>
+        </p:txBody>
+      </p:sp>
+      <p:pic>
+        <p:nvPicPr>
+          <p:cNvPr id="5" name="Content Placeholder 4" descr="Chart, scatter chart&#10;&#10;Description automatically generated">
             <a:extLst>
               <a:ext uri="{FF2B5EF4-FFF2-40B4-BE49-F238E27FC236}">
-                <a16:creationId xmlns:a16="http://schemas.microsoft.com/office/drawing/2014/main" id="{4B3ECB60-0370-40E0-9495-4CCA3A7E9068}"/>
+                <a16:creationId xmlns:a16="http://schemas.microsoft.com/office/drawing/2014/main" id="{6349D73B-2D83-4965-92F3-F3AFBE1EA9F5}"/>
               </a:ext>
             </a:extLst>
           </p:cNvPr>
-          <p:cNvSpPr>
-            <a:spLocks noGrp="1"/>
-          </p:cNvSpPr>
+          <p:cNvPicPr>
+            <a:picLocks noGrp="1" noChangeAspect="1"/>
+          </p:cNvPicPr>
           <p:nvPr>
             <p:ph idx="1"/>
           </p:nvPr>
-        </p:nvSpPr>
-        <p:spPr/>
-        <p:txBody>
-          <a:bodyPr>
-            <a:normAutofit/>
-          </a:bodyPr>
-          <a:lstStyle/>
-          <a:p>
-            <a:endParaRPr lang="zh-CN" altLang="en-US" dirty="0"/>
-          </a:p>
-        </p:txBody>
-      </p:sp>
+        </p:nvPicPr>
+        <p:blipFill>
+          <a:blip r:embed="rId2">
+            <a:extLst>
+              <a:ext uri="{28A0092B-C50C-407E-A947-70E740481C1C}">
+                <a14:useLocalDpi xmlns:a14="http://schemas.microsoft.com/office/drawing/2010/main" val="0"/>
+              </a:ext>
+            </a:extLst>
+          </a:blip>
+          <a:stretch>
+            <a:fillRect/>
+          </a:stretch>
+        </p:blipFill>
+        <p:spPr>
+          <a:xfrm>
+            <a:off x="985965" y="1171648"/>
+            <a:ext cx="4029717" cy="2842882"/>
+          </a:xfrm>
+          <a:prstGeom prst="rect">
+            <a:avLst/>
+          </a:prstGeom>
+        </p:spPr>
+      </p:pic>
+      <p:pic>
+        <p:nvPicPr>
+          <p:cNvPr id="8" name="Picture 7" descr="Chart, scatter chart&#10;&#10;Description automatically generated">
+            <a:extLst>
+              <a:ext uri="{FF2B5EF4-FFF2-40B4-BE49-F238E27FC236}">
+                <a16:creationId xmlns:a16="http://schemas.microsoft.com/office/drawing/2014/main" id="{BE4127DD-542D-47A8-AD62-75FF70F68191}"/>
+              </a:ext>
+            </a:extLst>
+          </p:cNvPr>
+          <p:cNvPicPr>
+            <a:picLocks noChangeAspect="1"/>
+          </p:cNvPicPr>
+          <p:nvPr/>
+        </p:nvPicPr>
+        <p:blipFill>
+          <a:blip r:embed="rId3">
+            <a:extLst>
+              <a:ext uri="{28A0092B-C50C-407E-A947-70E740481C1C}">
+                <a14:useLocalDpi xmlns:a14="http://schemas.microsoft.com/office/drawing/2010/main" val="0"/>
+              </a:ext>
+            </a:extLst>
+          </a:blip>
+          <a:stretch>
+            <a:fillRect/>
+          </a:stretch>
+        </p:blipFill>
+        <p:spPr>
+          <a:xfrm>
+            <a:off x="5244284" y="1171648"/>
+            <a:ext cx="4029717" cy="2842882"/>
+          </a:xfrm>
+          <a:prstGeom prst="rect">
+            <a:avLst/>
+          </a:prstGeom>
+        </p:spPr>
+      </p:pic>
       <p:sp>
         <p:nvSpPr>
           <p:cNvPr id="7" name="TextBox 6">
@@ -6021,43 +6811,65 @@
         </p:nvSpPr>
         <p:spPr>
           <a:xfrm>
-            <a:off x="7076662" y="5910470"/>
-            <a:ext cx="3286538" cy="369332"/>
+            <a:off x="7792187" y="5968007"/>
+            <a:ext cx="4029717" cy="284288"/>
           </a:xfrm>
           <a:prstGeom prst="rect">
             <a:avLst/>
           </a:prstGeom>
           <a:noFill/>
+          <a:ln>
+            <a:noFill/>
+          </a:ln>
         </p:spPr>
         <p:txBody>
           <a:bodyPr wrap="square" rtlCol="0">
-            <a:spAutoFit/>
+            <a:noAutofit/>
           </a:bodyPr>
           <a:lstStyle/>
           <a:p>
-            <a:r>
-              <a:rPr lang="en-US" altLang="zh-CN" dirty="0"/>
+            <a:pPr algn="ctr">
+              <a:spcAft>
+                <a:spcPts val="600"/>
+              </a:spcAft>
+            </a:pPr>
+            <a:r>
+              <a:rPr lang="en-US" altLang="zh-CN" sz="1300" dirty="0">
+                <a:solidFill>
+                  <a:srgbClr val="FFFFFF"/>
+                </a:solidFill>
+              </a:rPr>
               <a:t>By </a:t>
             </a:r>
             <a:r>
-              <a:rPr lang="zh-CN" altLang="zh-CN" sz="1800" dirty="0">
+              <a:rPr lang="zh-CN" altLang="zh-CN" sz="1300" dirty="0">
+                <a:solidFill>
+                  <a:srgbClr val="FFFFFF"/>
+                </a:solidFill>
                 <a:effectLst/>
-                <a:ea typeface="Arial" panose="020B0604020202020204" pitchFamily="34" charset="0"/>
               </a:rPr>
-              <a:t>Felix Ogbodu</a:t>
-            </a:r>
-            <a:r>
-              <a:rPr lang="en-US" altLang="zh-CN" dirty="0"/>
+              <a:t>Jungkyu Kim</a:t>
+            </a:r>
+            <a:r>
+              <a:rPr lang="en-US" altLang="zh-CN" sz="1300" dirty="0">
+                <a:solidFill>
+                  <a:srgbClr val="FFFFFF"/>
+                </a:solidFill>
+              </a:rPr>
               <a:t> </a:t>
             </a:r>
-            <a:endParaRPr lang="zh-CN" altLang="en-US" dirty="0"/>
+            <a:endParaRPr lang="zh-CN" altLang="en-US" sz="1300" dirty="0">
+              <a:solidFill>
+                <a:srgbClr val="FFFFFF"/>
+              </a:solidFill>
+            </a:endParaRPr>
           </a:p>
         </p:txBody>
       </p:sp>
     </p:spTree>
     <p:extLst>
       <p:ext uri="{BB962C8B-B14F-4D97-AF65-F5344CB8AC3E}">
-        <p14:creationId xmlns:p14="http://schemas.microsoft.com/office/powerpoint/2010/main" val="4260748630"/>
+        <p14:creationId xmlns:p14="http://schemas.microsoft.com/office/powerpoint/2010/main" val="3027793148"/>
       </p:ext>
     </p:extLst>
   </p:cSld>
@@ -6102,12 +6914,14 @@
         </p:nvSpPr>
         <p:spPr/>
         <p:txBody>
-          <a:bodyPr/>
+          <a:bodyPr>
+            <a:normAutofit/>
+          </a:bodyPr>
           <a:lstStyle/>
           <a:p>
             <a:r>
               <a:rPr lang="en-US" altLang="zh-CN" dirty="0"/>
-              <a:t>Graphing </a:t>
+              <a:t>Summary statistics </a:t>
             </a:r>
             <a:endParaRPr lang="zh-CN" altLang="en-US" dirty="0"/>
           </a:p>
@@ -6136,6 +6950,40 @@
           </a:bodyPr>
           <a:lstStyle/>
           <a:p>
+            <a:r>
+              <a:rPr lang="en-US" altLang="zh-CN" dirty="0"/>
+              <a:t>The total number of cases is 9,762,136.</a:t>
+            </a:r>
+          </a:p>
+          <a:p>
+            <a:r>
+              <a:rPr lang="en-US" altLang="zh-CN" dirty="0"/>
+              <a:t>The total number of deaths is 222,812.</a:t>
+            </a:r>
+          </a:p>
+          <a:p>
+            <a:r>
+              <a:rPr lang="en-US" altLang="zh-CN" dirty="0"/>
+              <a:t>The average rate of anxiety is 32.08%.</a:t>
+            </a:r>
+          </a:p>
+          <a:p>
+            <a:r>
+              <a:rPr lang="en-US" altLang="zh-CN" dirty="0"/>
+              <a:t>The average rate of depression is 25.65%.</a:t>
+            </a:r>
+          </a:p>
+          <a:p>
+            <a:r>
+              <a:rPr lang="en-US" altLang="zh-CN" dirty="0"/>
+              <a:t>The average rate of anxiety or depression symptoms is 36.98%.</a:t>
+            </a:r>
+          </a:p>
+          <a:p>
+            <a:r>
+              <a:rPr lang="en-US" altLang="zh-CN" dirty="0"/>
+              <a:t>The average rate for both anxiety and depression symptoms is 20.72%.</a:t>
+            </a:r>
             <a:endParaRPr lang="zh-CN" altLang="en-US" dirty="0"/>
           </a:p>
         </p:txBody>
@@ -6177,11 +7025,11 @@
                 <a:effectLst/>
                 <a:ea typeface="Arial" panose="020B0604020202020204" pitchFamily="34" charset="0"/>
               </a:rPr>
-              <a:t>Jungkyu Kim</a:t>
+              <a:t>Riley Williamson</a:t>
             </a:r>
             <a:r>
               <a:rPr lang="en-US" altLang="zh-CN" dirty="0"/>
-              <a:t> </a:t>
+              <a:t>  </a:t>
             </a:r>
             <a:endParaRPr lang="zh-CN" altLang="en-US" dirty="0"/>
           </a:p>
@@ -6190,7 +7038,7 @@
     </p:spTree>
     <p:extLst>
       <p:ext uri="{BB962C8B-B14F-4D97-AF65-F5344CB8AC3E}">
-        <p14:creationId xmlns:p14="http://schemas.microsoft.com/office/powerpoint/2010/main" val="3027793148"/>
+        <p14:creationId xmlns:p14="http://schemas.microsoft.com/office/powerpoint/2010/main" val="1748552998"/>
       </p:ext>
     </p:extLst>
   </p:cSld>
@@ -6242,35 +7090,8 @@
           <a:p>
             <a:r>
               <a:rPr lang="en-US" altLang="zh-CN" dirty="0"/>
-              <a:t>Summary statistics </a:t>
-            </a:r>
-            <a:endParaRPr lang="zh-CN" altLang="en-US" dirty="0"/>
-          </a:p>
-        </p:txBody>
-      </p:sp>
-      <p:sp>
-        <p:nvSpPr>
-          <p:cNvPr id="3" name="Content Placeholder 2">
-            <a:extLst>
-              <a:ext uri="{FF2B5EF4-FFF2-40B4-BE49-F238E27FC236}">
-                <a16:creationId xmlns:a16="http://schemas.microsoft.com/office/drawing/2014/main" id="{4B3ECB60-0370-40E0-9495-4CCA3A7E9068}"/>
-              </a:ext>
-            </a:extLst>
-          </p:cNvPr>
-          <p:cNvSpPr>
-            <a:spLocks noGrp="1"/>
-          </p:cNvSpPr>
-          <p:nvPr>
-            <p:ph idx="1"/>
-          </p:nvPr>
-        </p:nvSpPr>
-        <p:spPr/>
-        <p:txBody>
-          <a:bodyPr>
-            <a:normAutofit/>
-          </a:bodyPr>
-          <a:lstStyle/>
-          <a:p>
+              <a:t>P-test </a:t>
+            </a:r>
             <a:endParaRPr lang="zh-CN" altLang="en-US" dirty="0"/>
           </a:p>
         </p:txBody>
@@ -6322,42 +7143,12 @@
           </a:p>
         </p:txBody>
       </p:sp>
-    </p:spTree>
-    <p:extLst>
-      <p:ext uri="{BB962C8B-B14F-4D97-AF65-F5344CB8AC3E}">
-        <p14:creationId xmlns:p14="http://schemas.microsoft.com/office/powerpoint/2010/main" val="1748552998"/>
-      </p:ext>
-    </p:extLst>
-  </p:cSld>
-  <p:clrMapOvr>
-    <a:masterClrMapping/>
-  </p:clrMapOvr>
-</p:sld>
-</file>
-
-<file path=ppt/slides/slide13.xml><?xml version="1.0" encoding="utf-8"?>
-<p:sld xmlns:a="http://schemas.openxmlformats.org/drawingml/2006/main" xmlns:r="http://schemas.openxmlformats.org/officeDocument/2006/relationships" xmlns:p="http://schemas.openxmlformats.org/presentationml/2006/main">
-  <p:cSld>
-    <p:spTree>
-      <p:nvGrpSpPr>
-        <p:cNvPr id="1" name=""/>
-        <p:cNvGrpSpPr/>
-        <p:nvPr/>
-      </p:nvGrpSpPr>
-      <p:grpSpPr>
-        <a:xfrm>
-          <a:off x="0" y="0"/>
-          <a:ext cx="0" cy="0"/>
-          <a:chOff x="0" y="0"/>
-          <a:chExt cx="0" cy="0"/>
-        </a:xfrm>
-      </p:grpSpPr>
-      <p:sp>
-        <p:nvSpPr>
-          <p:cNvPr id="2" name="Title 1">
+      <p:sp>
+        <p:nvSpPr>
+          <p:cNvPr id="5" name="Content Placeholder 4">
             <a:extLst>
               <a:ext uri="{FF2B5EF4-FFF2-40B4-BE49-F238E27FC236}">
-                <a16:creationId xmlns:a16="http://schemas.microsoft.com/office/drawing/2014/main" id="{663D0643-9008-440B-801F-AF2816B5490B}"/>
+                <a16:creationId xmlns:a16="http://schemas.microsoft.com/office/drawing/2014/main" id="{6C22D851-A3EE-4B67-83B8-9C42D3990097}"/>
               </a:ext>
             </a:extLst>
           </p:cNvPr>
@@ -6365,98 +7156,99 @@
             <a:spLocks noGrp="1"/>
           </p:cNvSpPr>
           <p:nvPr>
-            <p:ph type="title"/>
+            <p:ph idx="1"/>
           </p:nvPr>
         </p:nvSpPr>
         <p:spPr/>
         <p:txBody>
-          <a:bodyPr>
-            <a:normAutofit/>
-          </a:bodyPr>
+          <a:bodyPr/>
           <a:lstStyle/>
           <a:p>
-            <a:r>
-              <a:rPr lang="en-US" altLang="zh-CN" dirty="0"/>
-              <a:t>P-test </a:t>
-            </a:r>
-            <a:endParaRPr lang="zh-CN" altLang="en-US" dirty="0"/>
-          </a:p>
-        </p:txBody>
-      </p:sp>
-      <p:sp>
-        <p:nvSpPr>
-          <p:cNvPr id="3" name="Content Placeholder 2">
+            <a:pPr marL="0" indent="0">
+              <a:buNone/>
+            </a:pPr>
+            <a:endParaRPr lang="en-US" dirty="0"/>
+          </a:p>
+          <a:p>
+            <a:r>
+              <a:rPr lang="en-US" dirty="0"/>
+              <a:t>CDC 2019 Study: 18.5% of Americans have symptoms of depression</a:t>
+            </a:r>
+          </a:p>
+          <a:p>
+            <a:r>
+              <a:rPr lang="en-US" dirty="0"/>
+              <a:t>H0: 25.63&lt;=18.5 | H1: 25.63&gt;18.5</a:t>
+            </a:r>
+          </a:p>
+          <a:p>
+            <a:r>
+              <a:rPr lang="en-US" dirty="0"/>
+              <a:t>z-score: 2.795</a:t>
+            </a:r>
+          </a:p>
+          <a:p>
+            <a:r>
+              <a:rPr lang="en-US" dirty="0"/>
+              <a:t>Confidence level: 95%</a:t>
+            </a:r>
+          </a:p>
+          <a:p>
+            <a:r>
+              <a:rPr lang="en-US" dirty="0"/>
+              <a:t>p-value: 0.003</a:t>
+            </a:r>
+          </a:p>
+          <a:p>
+            <a:r>
+              <a:rPr lang="en-US" dirty="0"/>
+              <a:t>Because the p-value is less than the significance level, we have significant evidence to reject the null hypothesis. With this analysis, we can say with 95% confidence that depression rates for Americans have been higher during the pandemic.</a:t>
+            </a:r>
+          </a:p>
+          <a:p>
+            <a:pPr marL="0" indent="0">
+              <a:buNone/>
+            </a:pPr>
+            <a:endParaRPr lang="en-US" dirty="0"/>
+          </a:p>
+        </p:txBody>
+      </p:sp>
+      <p:pic>
+        <p:nvPicPr>
+          <p:cNvPr id="8" name="Picture 7" descr="Chart, histogram&#10;&#10;Description automatically generated">
             <a:extLst>
               <a:ext uri="{FF2B5EF4-FFF2-40B4-BE49-F238E27FC236}">
-                <a16:creationId xmlns:a16="http://schemas.microsoft.com/office/drawing/2014/main" id="{4B3ECB60-0370-40E0-9495-4CCA3A7E9068}"/>
+                <a16:creationId xmlns:a16="http://schemas.microsoft.com/office/drawing/2014/main" id="{D3EEC719-A3DB-4FC4-BAE4-9B7A27B3A66F}"/>
               </a:ext>
             </a:extLst>
           </p:cNvPr>
-          <p:cNvSpPr>
-            <a:spLocks noGrp="1"/>
-          </p:cNvSpPr>
-          <p:nvPr>
-            <p:ph idx="1"/>
-          </p:nvPr>
-        </p:nvSpPr>
-        <p:spPr/>
-        <p:txBody>
-          <a:bodyPr>
-            <a:normAutofit/>
-          </a:bodyPr>
-          <a:lstStyle/>
-          <a:p>
-            <a:endParaRPr lang="zh-CN" altLang="en-US" dirty="0"/>
-          </a:p>
-        </p:txBody>
-      </p:sp>
-      <p:sp>
-        <p:nvSpPr>
-          <p:cNvPr id="7" name="TextBox 6">
+          <p:cNvPicPr>
+            <a:picLocks noChangeAspect="1"/>
+          </p:cNvPicPr>
+          <p:nvPr/>
+        </p:nvPicPr>
+        <p:blipFill>
+          <a:blip r:embed="rId2">
             <a:extLst>
-              <a:ext uri="{FF2B5EF4-FFF2-40B4-BE49-F238E27FC236}">
-                <a16:creationId xmlns:a16="http://schemas.microsoft.com/office/drawing/2014/main" id="{B784D723-236F-4355-AA3D-18C8B202159E}"/>
+              <a:ext uri="{28A0092B-C50C-407E-A947-70E740481C1C}">
+                <a14:useLocalDpi xmlns:a14="http://schemas.microsoft.com/office/drawing/2010/main" val="0"/>
               </a:ext>
             </a:extLst>
-          </p:cNvPr>
-          <p:cNvSpPr txBox="1"/>
-          <p:nvPr/>
-        </p:nvSpPr>
+          </a:blip>
+          <a:stretch>
+            <a:fillRect/>
+          </a:stretch>
+        </p:blipFill>
         <p:spPr>
           <a:xfrm>
-            <a:off x="7076662" y="5910470"/>
-            <a:ext cx="3286538" cy="369332"/>
+            <a:off x="8091922" y="237737"/>
+            <a:ext cx="3703500" cy="2656859"/>
           </a:xfrm>
           <a:prstGeom prst="rect">
             <a:avLst/>
           </a:prstGeom>
-          <a:noFill/>
         </p:spPr>
-        <p:txBody>
-          <a:bodyPr wrap="square" rtlCol="0">
-            <a:spAutoFit/>
-          </a:bodyPr>
-          <a:lstStyle/>
-          <a:p>
-            <a:r>
-              <a:rPr lang="en-US" altLang="zh-CN" dirty="0"/>
-              <a:t>By </a:t>
-            </a:r>
-            <a:r>
-              <a:rPr lang="zh-CN" altLang="zh-CN" sz="1800" dirty="0">
-                <a:effectLst/>
-                <a:ea typeface="Arial" panose="020B0604020202020204" pitchFamily="34" charset="0"/>
-              </a:rPr>
-              <a:t>Riley Williamson</a:t>
-            </a:r>
-            <a:r>
-              <a:rPr lang="en-US" altLang="zh-CN" dirty="0"/>
-              <a:t>  </a:t>
-            </a:r>
-            <a:endParaRPr lang="zh-CN" altLang="en-US" dirty="0"/>
-          </a:p>
-        </p:txBody>
-      </p:sp>
+      </p:pic>
     </p:spTree>
     <p:extLst>
       <p:ext uri="{BB962C8B-B14F-4D97-AF65-F5344CB8AC3E}">
@@ -6470,7 +7262,7 @@
 </p:sld>
 </file>
 
-<file path=ppt/slides/slide14.xml><?xml version="1.0" encoding="utf-8"?>
+<file path=ppt/slides/slide13.xml><?xml version="1.0" encoding="utf-8"?>
 <p:sld xmlns:a="http://schemas.openxmlformats.org/drawingml/2006/main" xmlns:r="http://schemas.openxmlformats.org/officeDocument/2006/relationships" xmlns:p="http://schemas.openxmlformats.org/presentationml/2006/main">
   <p:cSld>
     <p:spTree>
@@ -6627,7 +7419,7 @@
           <p:cNvPr id="2" name="Title 1">
             <a:extLst>
               <a:ext uri="{FF2B5EF4-FFF2-40B4-BE49-F238E27FC236}">
-                <a16:creationId xmlns:a16="http://schemas.microsoft.com/office/drawing/2014/main" id="{E77FAB68-B0C1-4792-A405-263FDC21E934}"/>
+                <a16:creationId xmlns:a16="http://schemas.microsoft.com/office/drawing/2014/main" id="{663D0643-9008-440B-801F-AF2816B5490B}"/>
               </a:ext>
             </a:extLst>
           </p:cNvPr>
@@ -6635,7 +7427,7 @@
             <a:spLocks noGrp="1"/>
           </p:cNvSpPr>
           <p:nvPr>
-            <p:ph type="ctrTitle"/>
+            <p:ph type="title"/>
           </p:nvPr>
         </p:nvSpPr>
         <p:spPr/>
@@ -6643,10 +7435,9 @@
           <a:bodyPr/>
           <a:lstStyle/>
           <a:p>
-            <a:pPr algn="l"/>
             <a:r>
               <a:rPr lang="en-US" altLang="zh-CN" dirty="0"/>
-              <a:t>Impact of COVID-19 on Mental Health in United States</a:t>
+              <a:t>Introduction </a:t>
             </a:r>
             <a:endParaRPr lang="zh-CN" altLang="en-US" dirty="0"/>
           </a:p>
@@ -6654,10 +7445,10 @@
       </p:sp>
       <p:sp>
         <p:nvSpPr>
-          <p:cNvPr id="3" name="Subtitle 2">
+          <p:cNvPr id="3" name="Content Placeholder 2">
             <a:extLst>
               <a:ext uri="{FF2B5EF4-FFF2-40B4-BE49-F238E27FC236}">
-                <a16:creationId xmlns:a16="http://schemas.microsoft.com/office/drawing/2014/main" id="{5058D887-27D4-4B4C-947D-8B727D388F8B}"/>
+                <a16:creationId xmlns:a16="http://schemas.microsoft.com/office/drawing/2014/main" id="{4B3ECB60-0370-40E0-9495-4CCA3A7E9068}"/>
               </a:ext>
             </a:extLst>
           </p:cNvPr>
@@ -6665,74 +7456,208 @@
             <a:spLocks noGrp="1"/>
           </p:cNvSpPr>
           <p:nvPr>
-            <p:ph type="subTitle" idx="1"/>
+            <p:ph idx="1"/>
           </p:nvPr>
         </p:nvSpPr>
         <p:spPr/>
         <p:txBody>
           <a:bodyPr>
-            <a:noAutofit/>
+            <a:normAutofit fontScale="92500"/>
           </a:bodyPr>
           <a:lstStyle/>
           <a:p>
-            <a:pPr algn="l"/>
-            <a:r>
-              <a:rPr lang="en-US" altLang="zh-CN" sz="2000" dirty="0"/>
-              <a:t>Group D1: </a:t>
-            </a:r>
-            <a:r>
-              <a:rPr lang="zh-CN" altLang="zh-CN" sz="2000" dirty="0">
+            <a:pPr marL="457200" indent="0">
+              <a:lnSpc>
+                <a:spcPct val="115000"/>
+              </a:lnSpc>
+              <a:buNone/>
+            </a:pPr>
+            <a:r>
+              <a:rPr lang="en-US" altLang="zh-CN" sz="1800" dirty="0">
+                <a:effectLst/>
+                <a:latin typeface="Arial" panose="020B0604020202020204" pitchFamily="34" charset="0"/>
+                <a:ea typeface="宋体" panose="02010600030101010101" pitchFamily="2" charset="-122"/>
+              </a:rPr>
+              <a:t>Background:</a:t>
+            </a:r>
+          </a:p>
+          <a:p>
+            <a:pPr marL="742950" indent="-285750">
+              <a:lnSpc>
+                <a:spcPct val="115000"/>
+              </a:lnSpc>
+            </a:pPr>
+            <a:r>
+              <a:rPr lang="en-US" altLang="zh-CN" sz="1800" dirty="0">
+                <a:effectLst/>
+                <a:latin typeface="Arial" panose="020B0604020202020204" pitchFamily="34" charset="0"/>
+                <a:ea typeface="宋体" panose="02010600030101010101" pitchFamily="2" charset="-122"/>
+              </a:rPr>
+              <a:t>Covid-19 pandemic</a:t>
+            </a:r>
+          </a:p>
+          <a:p>
+            <a:pPr marL="742950" indent="-285750">
+              <a:lnSpc>
+                <a:spcPct val="115000"/>
+              </a:lnSpc>
+            </a:pPr>
+            <a:r>
+              <a:rPr lang="en-US" altLang="zh-CN" sz="1800" dirty="0">
+                <a:effectLst/>
+                <a:latin typeface="Arial" panose="020B0604020202020204" pitchFamily="34" charset="0"/>
+                <a:ea typeface="宋体" panose="02010600030101010101" pitchFamily="2" charset="-122"/>
+              </a:rPr>
+              <a:t>Mental health issue</a:t>
+            </a:r>
+          </a:p>
+          <a:p>
+            <a:pPr marL="457200" indent="0">
+              <a:lnSpc>
+                <a:spcPct val="115000"/>
+              </a:lnSpc>
+              <a:buNone/>
+            </a:pPr>
+            <a:r>
+              <a:rPr lang="en-US" altLang="zh-CN" dirty="0">
+                <a:latin typeface="Arial" panose="020B0604020202020204" pitchFamily="34" charset="0"/>
+                <a:ea typeface="宋体" panose="02010600030101010101" pitchFamily="2" charset="-122"/>
+              </a:rPr>
+              <a:t>Questions:</a:t>
+            </a:r>
+          </a:p>
+          <a:p>
+            <a:pPr marL="457200" indent="457200">
+              <a:lnSpc>
+                <a:spcPct val="115000"/>
+              </a:lnSpc>
+            </a:pPr>
+            <a:r>
+              <a:rPr lang="zh-CN" altLang="zh-CN" sz="1800" dirty="0">
+                <a:effectLst/>
+                <a:latin typeface="Arial" panose="020B0604020202020204" pitchFamily="34" charset="0"/>
+                <a:ea typeface="宋体" panose="02010600030101010101" pitchFamily="2" charset="-122"/>
+              </a:rPr>
+              <a:t>Has COVID_19 affected the mental health of Americans?</a:t>
+            </a:r>
+          </a:p>
+          <a:p>
+            <a:pPr marL="457200" indent="457200">
+              <a:lnSpc>
+                <a:spcPct val="115000"/>
+              </a:lnSpc>
+            </a:pPr>
+            <a:r>
+              <a:rPr lang="zh-CN" altLang="zh-CN" sz="1800" dirty="0">
+                <a:effectLst/>
+                <a:latin typeface="Arial" panose="020B0604020202020204" pitchFamily="34" charset="0"/>
+                <a:ea typeface="宋体" panose="02010600030101010101" pitchFamily="2" charset="-122"/>
+              </a:rPr>
+              <a:t>Are areas high COVID-19 deaths more impacted by mental health issues?</a:t>
+            </a:r>
+          </a:p>
+          <a:p>
+            <a:pPr marL="457200" indent="457200">
+              <a:lnSpc>
+                <a:spcPct val="115000"/>
+              </a:lnSpc>
+            </a:pPr>
+            <a:r>
+              <a:rPr lang="zh-CN" altLang="zh-CN" sz="1800" dirty="0">
+                <a:effectLst/>
+                <a:latin typeface="Arial" panose="020B0604020202020204" pitchFamily="34" charset="0"/>
+                <a:ea typeface="宋体" panose="02010600030101010101" pitchFamily="2" charset="-122"/>
+              </a:rPr>
+              <a:t>Do areas with low COVID-19 rates have lower rates of mental health issues?</a:t>
+            </a:r>
+          </a:p>
+          <a:p>
+            <a:pPr marL="457200" indent="457200">
+              <a:lnSpc>
+                <a:spcPct val="115000"/>
+              </a:lnSpc>
+            </a:pPr>
+            <a:r>
+              <a:rPr lang="zh-CN" altLang="zh-CN" sz="1800" dirty="0">
+                <a:effectLst/>
+                <a:latin typeface="Arial" panose="020B0604020202020204" pitchFamily="34" charset="0"/>
+                <a:ea typeface="宋体" panose="02010600030101010101" pitchFamily="2" charset="-122"/>
+              </a:rPr>
+              <a:t>How has Georgia been impacted?</a:t>
+            </a:r>
+          </a:p>
+          <a:p>
+            <a:pPr marL="0" indent="0">
+              <a:lnSpc>
+                <a:spcPct val="115000"/>
+              </a:lnSpc>
+              <a:buNone/>
+            </a:pPr>
+            <a:r>
+              <a:rPr lang="zh-CN" altLang="zh-CN" sz="1800" dirty="0">
+                <a:effectLst/>
+                <a:latin typeface="Arial" panose="020B0604020202020204" pitchFamily="34" charset="0"/>
+                <a:ea typeface="宋体" panose="02010600030101010101" pitchFamily="2" charset="-122"/>
+              </a:rPr>
+              <a:t> </a:t>
+            </a:r>
+          </a:p>
+          <a:p>
+            <a:endParaRPr lang="zh-CN" altLang="en-US" dirty="0"/>
+          </a:p>
+        </p:txBody>
+      </p:sp>
+      <p:sp>
+        <p:nvSpPr>
+          <p:cNvPr id="7" name="TextBox 6">
+            <a:extLst>
+              <a:ext uri="{FF2B5EF4-FFF2-40B4-BE49-F238E27FC236}">
+                <a16:creationId xmlns:a16="http://schemas.microsoft.com/office/drawing/2014/main" id="{B784D723-236F-4355-AA3D-18C8B202159E}"/>
+              </a:ext>
+            </a:extLst>
+          </p:cNvPr>
+          <p:cNvSpPr txBox="1"/>
+          <p:nvPr/>
+        </p:nvSpPr>
+        <p:spPr>
+          <a:xfrm>
+            <a:off x="7076662" y="5910470"/>
+            <a:ext cx="3286538" cy="369332"/>
+          </a:xfrm>
+          <a:prstGeom prst="rect">
+            <a:avLst/>
+          </a:prstGeom>
+          <a:noFill/>
+        </p:spPr>
+        <p:txBody>
+          <a:bodyPr wrap="square" rtlCol="0">
+            <a:spAutoFit/>
+          </a:bodyPr>
+          <a:lstStyle/>
+          <a:p>
+            <a:r>
+              <a:rPr lang="en-US" altLang="zh-CN" dirty="0"/>
+              <a:t>By </a:t>
+            </a:r>
+            <a:r>
+              <a:rPr lang="zh-CN" altLang="zh-CN" sz="1800" dirty="0">
                 <a:effectLst/>
                 <a:ea typeface="Arial" panose="020B0604020202020204" pitchFamily="34" charset="0"/>
               </a:rPr>
-              <a:t>Jie Feng, Jungkyu Kim, Riley Williamson, Rodney Davemann,Veera Supraja Koppisetty, Felix Ogbodu</a:t>
-            </a:r>
-            <a:endParaRPr lang="en-US" altLang="zh-CN" sz="2000" dirty="0">
-              <a:effectLst/>
-              <a:ea typeface="Arial" panose="020B0604020202020204" pitchFamily="34" charset="0"/>
-            </a:endParaRPr>
-          </a:p>
-          <a:p>
-            <a:pPr algn="l"/>
-            <a:r>
-              <a:rPr lang="en-US" altLang="zh-CN" sz="2000" dirty="0"/>
-              <a:t>Instructor: Thomas </a:t>
-            </a:r>
-            <a:r>
-              <a:rPr lang="en-US" altLang="zh-CN" sz="2000" dirty="0" err="1"/>
-              <a:t>Raczkowski</a:t>
-            </a:r>
-            <a:endParaRPr lang="en-US" altLang="zh-CN" sz="2000" dirty="0"/>
-          </a:p>
-          <a:p>
-            <a:pPr algn="l"/>
-            <a:r>
-              <a:rPr lang="en-US" altLang="zh-CN" sz="2000" dirty="0"/>
-              <a:t>TA: </a:t>
-            </a:r>
-            <a:r>
-              <a:rPr lang="en-US" altLang="zh-CN" sz="2000" dirty="0" err="1"/>
-              <a:t>Sumit</a:t>
-            </a:r>
-            <a:r>
-              <a:rPr lang="en-US" altLang="zh-CN" sz="2000" dirty="0"/>
-              <a:t> Malik</a:t>
-            </a:r>
-          </a:p>
-          <a:p>
-            <a:pPr algn="l"/>
-            <a:r>
-              <a:rPr lang="en-US" altLang="zh-CN" sz="2000" dirty="0"/>
-              <a:t>Date: 05/01/2021</a:t>
-            </a:r>
-            <a:endParaRPr lang="zh-CN" altLang="en-US" sz="2000" dirty="0"/>
+              <a:t>Veera Supraja Koppisetty</a:t>
+            </a:r>
+            <a:r>
+              <a:rPr lang="en-US" altLang="zh-CN" dirty="0"/>
+              <a:t> </a:t>
+            </a:r>
+            <a:endParaRPr lang="zh-CN" altLang="en-US" dirty="0"/>
           </a:p>
         </p:txBody>
       </p:sp>
     </p:spTree>
     <p:extLst>
       <p:ext uri="{BB962C8B-B14F-4D97-AF65-F5344CB8AC3E}">
-        <p14:creationId xmlns:p14="http://schemas.microsoft.com/office/powerpoint/2010/main" val="731771914"/>
+        <p14:creationId xmlns:p14="http://schemas.microsoft.com/office/powerpoint/2010/main" val="4174670654"/>
       </p:ext>
     </p:extLst>
   </p:cSld>
@@ -6782,7 +7707,7 @@
           <a:p>
             <a:r>
               <a:rPr lang="en-US" altLang="zh-CN" dirty="0"/>
-              <a:t>Introduction </a:t>
+              <a:t>Data importation and merging </a:t>
             </a:r>
             <a:endParaRPr lang="zh-CN" altLang="en-US" dirty="0"/>
           </a:p>
@@ -6807,75 +7732,15 @@
         <p:spPr/>
         <p:txBody>
           <a:bodyPr>
-            <a:normAutofit fontScale="92500"/>
+            <a:normAutofit/>
           </a:bodyPr>
           <a:lstStyle/>
           <a:p>
-            <a:pPr marL="457200" indent="0">
+            <a:pPr marL="0" indent="0">
               <a:lnSpc>
                 <a:spcPct val="115000"/>
               </a:lnSpc>
               <a:buNone/>
-            </a:pPr>
-            <a:r>
-              <a:rPr lang="en-US" altLang="zh-CN" sz="1800" dirty="0">
-                <a:effectLst/>
-                <a:latin typeface="Arial" panose="020B0604020202020204" pitchFamily="34" charset="0"/>
-                <a:ea typeface="宋体" panose="02010600030101010101" pitchFamily="2" charset="-122"/>
-              </a:rPr>
-              <a:t>Background:</a:t>
-            </a:r>
-          </a:p>
-          <a:p>
-            <a:pPr marL="742950" indent="-285750">
-              <a:lnSpc>
-                <a:spcPct val="115000"/>
-              </a:lnSpc>
-            </a:pPr>
-            <a:r>
-              <a:rPr lang="en-US" altLang="zh-CN" sz="1800" dirty="0">
-                <a:effectLst/>
-                <a:latin typeface="Arial" panose="020B0604020202020204" pitchFamily="34" charset="0"/>
-                <a:ea typeface="宋体" panose="02010600030101010101" pitchFamily="2" charset="-122"/>
-              </a:rPr>
-              <a:t>Covid-19 pandemic</a:t>
-            </a:r>
-          </a:p>
-          <a:p>
-            <a:pPr marL="742950" indent="-285750">
-              <a:lnSpc>
-                <a:spcPct val="115000"/>
-              </a:lnSpc>
-            </a:pPr>
-            <a:r>
-              <a:rPr lang="en-US" altLang="zh-CN" sz="1800" dirty="0">
-                <a:effectLst/>
-                <a:latin typeface="Arial" panose="020B0604020202020204" pitchFamily="34" charset="0"/>
-                <a:ea typeface="宋体" panose="02010600030101010101" pitchFamily="2" charset="-122"/>
-              </a:rPr>
-              <a:t>Mental health issue</a:t>
-            </a:r>
-          </a:p>
-          <a:p>
-            <a:pPr marL="457200" indent="0">
-              <a:lnSpc>
-                <a:spcPct val="115000"/>
-              </a:lnSpc>
-              <a:buNone/>
-            </a:pPr>
-            <a:r>
-              <a:rPr lang="en-US" altLang="zh-CN" dirty="0">
-                <a:latin typeface="Arial" panose="020B0604020202020204" pitchFamily="34" charset="0"/>
-                <a:ea typeface="宋体" panose="02010600030101010101" pitchFamily="2" charset="-122"/>
-              </a:rPr>
-              <a:t>Questions:</a:t>
-            </a:r>
-          </a:p>
-          <a:p>
-            <a:pPr marL="457200" indent="457200">
-              <a:lnSpc>
-                <a:spcPct val="115000"/>
-              </a:lnSpc>
             </a:pPr>
             <a:r>
               <a:rPr lang="zh-CN" altLang="zh-CN" sz="1800" dirty="0">
@@ -6883,11 +7748,11 @@
                 <a:latin typeface="Arial" panose="020B0604020202020204" pitchFamily="34" charset="0"/>
                 <a:ea typeface="宋体" panose="02010600030101010101" pitchFamily="2" charset="-122"/>
               </a:rPr>
-              <a:t>Has COVID_19 affected the mental health of Americans?</a:t>
-            </a:r>
-          </a:p>
-          <a:p>
-            <a:pPr marL="457200" indent="457200">
+              <a:t>Datasets: </a:t>
+            </a:r>
+          </a:p>
+          <a:p>
+            <a:pPr>
               <a:lnSpc>
                 <a:spcPct val="115000"/>
               </a:lnSpc>
@@ -6898,38 +7763,13 @@
                 <a:latin typeface="Arial" panose="020B0604020202020204" pitchFamily="34" charset="0"/>
                 <a:ea typeface="宋体" panose="02010600030101010101" pitchFamily="2" charset="-122"/>
               </a:rPr>
-              <a:t>Are areas high COVID-19 deaths more impacted by mental health issues?</a:t>
-            </a:r>
-          </a:p>
-          <a:p>
-            <a:pPr marL="457200" indent="457200">
-              <a:lnSpc>
-                <a:spcPct val="115000"/>
-              </a:lnSpc>
-            </a:pPr>
-            <a:r>
-              <a:rPr lang="zh-CN" altLang="zh-CN" sz="1800" dirty="0">
-                <a:effectLst/>
-                <a:latin typeface="Arial" panose="020B0604020202020204" pitchFamily="34" charset="0"/>
-                <a:ea typeface="宋体" panose="02010600030101010101" pitchFamily="2" charset="-122"/>
-              </a:rPr>
-              <a:t>Do areas with low COVID-19 rates have lower rates of mental health issues?</a:t>
-            </a:r>
-          </a:p>
-          <a:p>
-            <a:pPr marL="457200" indent="457200">
-              <a:lnSpc>
-                <a:spcPct val="115000"/>
-              </a:lnSpc>
-            </a:pPr>
-            <a:r>
-              <a:rPr lang="zh-CN" altLang="zh-CN" sz="1800" dirty="0">
-                <a:effectLst/>
-                <a:latin typeface="Arial" panose="020B0604020202020204" pitchFamily="34" charset="0"/>
-                <a:ea typeface="宋体" panose="02010600030101010101" pitchFamily="2" charset="-122"/>
-              </a:rPr>
-              <a:t>How has Georgia been impacted?</a:t>
-            </a:r>
+              <a:t>CDC: Indicators_of_Anxiety_or_Depression_Based_on_Reported_Frequency_of_Symptoms_During_Last_7_Days(also called Anxiety_data)</a:t>
+            </a:r>
+            <a:endParaRPr lang="en-US" altLang="zh-CN" sz="1800" dirty="0">
+              <a:effectLst/>
+              <a:latin typeface="Arial" panose="020B0604020202020204" pitchFamily="34" charset="0"/>
+              <a:ea typeface="宋体" panose="02010600030101010101" pitchFamily="2" charset="-122"/>
+            </a:endParaRPr>
           </a:p>
           <a:p>
             <a:pPr marL="0" indent="0">
@@ -6939,16 +7779,32 @@
               <a:buNone/>
             </a:pPr>
             <a:r>
-              <a:rPr lang="zh-CN" altLang="zh-CN" sz="1800" dirty="0">
-                <a:effectLst/>
+              <a:rPr lang="en-US" altLang="zh-CN" dirty="0">
                 <a:latin typeface="Arial" panose="020B0604020202020204" pitchFamily="34" charset="0"/>
                 <a:ea typeface="宋体" panose="02010600030101010101" pitchFamily="2" charset="-122"/>
               </a:rPr>
-              <a:t> </a:t>
-            </a:r>
-          </a:p>
-          <a:p>
-            <a:endParaRPr lang="zh-CN" altLang="en-US" dirty="0"/>
+              <a:t>Merging:</a:t>
+            </a:r>
+            <a:endParaRPr lang="zh-CN" altLang="zh-CN" sz="1800" dirty="0">
+              <a:effectLst/>
+              <a:latin typeface="Arial" panose="020B0604020202020204" pitchFamily="34" charset="0"/>
+              <a:ea typeface="宋体" panose="02010600030101010101" pitchFamily="2" charset="-122"/>
+            </a:endParaRPr>
+          </a:p>
+          <a:p>
+            <a:r>
+              <a:rPr lang="en-US" altLang="zh-CN" dirty="0">
+                <a:latin typeface="Arial" panose="020B0604020202020204" pitchFamily="34" charset="0"/>
+                <a:ea typeface="SimSun" panose="02010600030101010101" pitchFamily="2" charset="-122"/>
+                <a:cs typeface="Arial" panose="020B0604020202020204" pitchFamily="34" charset="0"/>
+              </a:rPr>
+              <a:t>Datasets were merged on US states</a:t>
+            </a:r>
+            <a:endParaRPr lang="zh-CN" altLang="en-US" dirty="0">
+              <a:latin typeface="Arial" panose="020B0604020202020204" pitchFamily="34" charset="0"/>
+              <a:ea typeface="SimSun" panose="02010600030101010101" pitchFamily="2" charset="-122"/>
+              <a:cs typeface="Arial" panose="020B0604020202020204" pitchFamily="34" charset="0"/>
+            </a:endParaRPr>
           </a:p>
         </p:txBody>
       </p:sp>
@@ -7002,7 +7858,7 @@
     </p:spTree>
     <p:extLst>
       <p:ext uri="{BB962C8B-B14F-4D97-AF65-F5344CB8AC3E}">
-        <p14:creationId xmlns:p14="http://schemas.microsoft.com/office/powerpoint/2010/main" val="4174670654"/>
+        <p14:creationId xmlns:p14="http://schemas.microsoft.com/office/powerpoint/2010/main" val="2926960737"/>
       </p:ext>
     </p:extLst>
   </p:cSld>
@@ -7052,7 +7908,7 @@
           <a:p>
             <a:r>
               <a:rPr lang="en-US" altLang="zh-CN" dirty="0"/>
-              <a:t>Data importation and merging </a:t>
+              <a:t>Data cleaning </a:t>
             </a:r>
             <a:endParaRPr lang="zh-CN" altLang="en-US" dirty="0"/>
           </a:p>
@@ -7080,117 +7936,6 @@
             <a:normAutofit/>
           </a:bodyPr>
           <a:lstStyle/>
-          <a:p>
-            <a:pPr marL="0" indent="0">
-              <a:lnSpc>
-                <a:spcPct val="115000"/>
-              </a:lnSpc>
-              <a:buNone/>
-            </a:pPr>
-            <a:r>
-              <a:rPr lang="zh-CN" altLang="zh-CN" sz="1800" dirty="0">
-                <a:effectLst/>
-                <a:latin typeface="Arial" panose="020B0604020202020204" pitchFamily="34" charset="0"/>
-                <a:ea typeface="宋体" panose="02010600030101010101" pitchFamily="2" charset="-122"/>
-              </a:rPr>
-              <a:t>Datasets: </a:t>
-            </a:r>
-          </a:p>
-          <a:p>
-            <a:pPr>
-              <a:lnSpc>
-                <a:spcPct val="115000"/>
-              </a:lnSpc>
-            </a:pPr>
-            <a:r>
-              <a:rPr lang="zh-CN" altLang="zh-CN" sz="1800" dirty="0">
-                <a:effectLst/>
-                <a:latin typeface="Arial" panose="020B0604020202020204" pitchFamily="34" charset="0"/>
-                <a:ea typeface="宋体" panose="02010600030101010101" pitchFamily="2" charset="-122"/>
-              </a:rPr>
-              <a:t>CDC: Indicators_of_Anxiety_or_Depression_Based_on_Reported_Frequency_of_Symptoms_During_Last_7_Days(also called Anxiety_data)</a:t>
-            </a:r>
-          </a:p>
-          <a:p>
-            <a:pPr>
-              <a:lnSpc>
-                <a:spcPct val="115000"/>
-              </a:lnSpc>
-            </a:pPr>
-            <a:r>
-              <a:rPr lang="zh-CN" altLang="zh-CN" sz="1800" dirty="0">
-                <a:effectLst/>
-                <a:latin typeface="Arial" panose="020B0604020202020204" pitchFamily="34" charset="0"/>
-                <a:ea typeface="宋体" panose="02010600030101010101" pitchFamily="2" charset="-122"/>
-              </a:rPr>
-              <a:t>CDC(?):</a:t>
-            </a:r>
-          </a:p>
-          <a:p>
-            <a:pPr marL="0" indent="0">
-              <a:lnSpc>
-                <a:spcPct val="115000"/>
-              </a:lnSpc>
-              <a:buNone/>
-            </a:pPr>
-            <a:r>
-              <a:rPr lang="en-US" altLang="zh-CN" sz="1800" dirty="0">
-                <a:effectLst/>
-                <a:latin typeface="Arial" panose="020B0604020202020204" pitchFamily="34" charset="0"/>
-                <a:ea typeface="宋体" panose="02010600030101010101" pitchFamily="2" charset="-122"/>
-              </a:rPr>
-              <a:t>	</a:t>
-            </a:r>
-            <a:r>
-              <a:rPr lang="zh-CN" altLang="zh-CN" sz="1800" dirty="0">
-                <a:effectLst/>
-                <a:latin typeface="Arial" panose="020B0604020202020204" pitchFamily="34" charset="0"/>
-                <a:ea typeface="宋体" panose="02010600030101010101" pitchFamily="2" charset="-122"/>
-              </a:rPr>
-              <a:t>us_states</a:t>
-            </a:r>
-            <a:endParaRPr lang="en-US" altLang="zh-CN" sz="1800" dirty="0">
-              <a:effectLst/>
-              <a:latin typeface="Arial" panose="020B0604020202020204" pitchFamily="34" charset="0"/>
-              <a:ea typeface="宋体" panose="02010600030101010101" pitchFamily="2" charset="-122"/>
-            </a:endParaRPr>
-          </a:p>
-          <a:p>
-            <a:pPr marL="0" indent="0">
-              <a:lnSpc>
-                <a:spcPct val="115000"/>
-              </a:lnSpc>
-              <a:buNone/>
-            </a:pPr>
-            <a:r>
-              <a:rPr lang="en-US" altLang="zh-CN" dirty="0">
-                <a:latin typeface="Arial" panose="020B0604020202020204" pitchFamily="34" charset="0"/>
-                <a:ea typeface="宋体" panose="02010600030101010101" pitchFamily="2" charset="-122"/>
-              </a:rPr>
-              <a:t>Merging:</a:t>
-            </a:r>
-          </a:p>
-          <a:p>
-            <a:pPr marL="0" indent="0">
-              <a:lnSpc>
-                <a:spcPct val="115000"/>
-              </a:lnSpc>
-              <a:buNone/>
-            </a:pPr>
-            <a:r>
-              <a:rPr lang="en-US" altLang="zh-CN" sz="1800" dirty="0">
-                <a:effectLst/>
-                <a:latin typeface="Arial" panose="020B0604020202020204" pitchFamily="34" charset="0"/>
-                <a:ea typeface="宋体" panose="02010600030101010101" pitchFamily="2" charset="-122"/>
-              </a:rPr>
-              <a:t>	………</a:t>
-            </a:r>
-            <a:endParaRPr lang="zh-CN" altLang="zh-CN" sz="1800" dirty="0">
-              <a:effectLst/>
-              <a:latin typeface="Arial" panose="020B0604020202020204" pitchFamily="34" charset="0"/>
-              <a:ea typeface="宋体" panose="02010600030101010101" pitchFamily="2" charset="-122"/>
-            </a:endParaRPr>
-          </a:p>
           <a:p>
             <a:endParaRPr lang="zh-CN" altLang="en-US" dirty="0"/>
           </a:p>
@@ -7233,7 +7978,7 @@
                 <a:effectLst/>
                 <a:ea typeface="Arial" panose="020B0604020202020204" pitchFamily="34" charset="0"/>
               </a:rPr>
-              <a:t>Veera Supraja Koppisetty</a:t>
+              <a:t>Jungkyu Kim</a:t>
             </a:r>
             <a:r>
               <a:rPr lang="en-US" altLang="zh-CN" dirty="0"/>
@@ -7246,7 +7991,7 @@
     </p:spTree>
     <p:extLst>
       <p:ext uri="{BB962C8B-B14F-4D97-AF65-F5344CB8AC3E}">
-        <p14:creationId xmlns:p14="http://schemas.microsoft.com/office/powerpoint/2010/main" val="2926960737"/>
+        <p14:creationId xmlns:p14="http://schemas.microsoft.com/office/powerpoint/2010/main" val="3732807902"/>
       </p:ext>
     </p:extLst>
   </p:cSld>
@@ -7296,7 +8041,7 @@
           <a:p>
             <a:r>
               <a:rPr lang="en-US" altLang="zh-CN" dirty="0"/>
-              <a:t>Data cleaning </a:t>
+              <a:t>Data analysis </a:t>
             </a:r>
             <a:endParaRPr lang="zh-CN" altLang="en-US" dirty="0"/>
           </a:p>
@@ -7366,7 +8111,7 @@
                 <a:effectLst/>
                 <a:ea typeface="Arial" panose="020B0604020202020204" pitchFamily="34" charset="0"/>
               </a:rPr>
-              <a:t>Jungkyu Kim</a:t>
+              <a:t>Rodney Davemann</a:t>
             </a:r>
             <a:r>
               <a:rPr lang="en-US" altLang="zh-CN" dirty="0"/>
@@ -7379,7 +8124,7 @@
     </p:spTree>
     <p:extLst>
       <p:ext uri="{BB962C8B-B14F-4D97-AF65-F5344CB8AC3E}">
-        <p14:creationId xmlns:p14="http://schemas.microsoft.com/office/powerpoint/2010/main" val="3732807902"/>
+        <p14:creationId xmlns:p14="http://schemas.microsoft.com/office/powerpoint/2010/main" val="213444618"/>
       </p:ext>
     </p:extLst>
   </p:cSld>
@@ -7424,139 +8169,6 @@
         </p:nvSpPr>
         <p:spPr/>
         <p:txBody>
-          <a:bodyPr/>
-          <a:lstStyle/>
-          <a:p>
-            <a:r>
-              <a:rPr lang="en-US" altLang="zh-CN" dirty="0"/>
-              <a:t>Data analysis </a:t>
-            </a:r>
-            <a:endParaRPr lang="zh-CN" altLang="en-US" dirty="0"/>
-          </a:p>
-        </p:txBody>
-      </p:sp>
-      <p:sp>
-        <p:nvSpPr>
-          <p:cNvPr id="3" name="Content Placeholder 2">
-            <a:extLst>
-              <a:ext uri="{FF2B5EF4-FFF2-40B4-BE49-F238E27FC236}">
-                <a16:creationId xmlns:a16="http://schemas.microsoft.com/office/drawing/2014/main" id="{4B3ECB60-0370-40E0-9495-4CCA3A7E9068}"/>
-              </a:ext>
-            </a:extLst>
-          </p:cNvPr>
-          <p:cNvSpPr>
-            <a:spLocks noGrp="1"/>
-          </p:cNvSpPr>
-          <p:nvPr>
-            <p:ph idx="1"/>
-          </p:nvPr>
-        </p:nvSpPr>
-        <p:spPr/>
-        <p:txBody>
-          <a:bodyPr>
-            <a:normAutofit/>
-          </a:bodyPr>
-          <a:lstStyle/>
-          <a:p>
-            <a:endParaRPr lang="zh-CN" altLang="en-US" dirty="0"/>
-          </a:p>
-        </p:txBody>
-      </p:sp>
-      <p:sp>
-        <p:nvSpPr>
-          <p:cNvPr id="7" name="TextBox 6">
-            <a:extLst>
-              <a:ext uri="{FF2B5EF4-FFF2-40B4-BE49-F238E27FC236}">
-                <a16:creationId xmlns:a16="http://schemas.microsoft.com/office/drawing/2014/main" id="{B784D723-236F-4355-AA3D-18C8B202159E}"/>
-              </a:ext>
-            </a:extLst>
-          </p:cNvPr>
-          <p:cNvSpPr txBox="1"/>
-          <p:nvPr/>
-        </p:nvSpPr>
-        <p:spPr>
-          <a:xfrm>
-            <a:off x="7076662" y="5910470"/>
-            <a:ext cx="3286538" cy="369332"/>
-          </a:xfrm>
-          <a:prstGeom prst="rect">
-            <a:avLst/>
-          </a:prstGeom>
-          <a:noFill/>
-        </p:spPr>
-        <p:txBody>
-          <a:bodyPr wrap="square" rtlCol="0">
-            <a:spAutoFit/>
-          </a:bodyPr>
-          <a:lstStyle/>
-          <a:p>
-            <a:r>
-              <a:rPr lang="en-US" altLang="zh-CN" dirty="0"/>
-              <a:t>By </a:t>
-            </a:r>
-            <a:r>
-              <a:rPr lang="zh-CN" altLang="zh-CN" sz="1800" dirty="0">
-                <a:effectLst/>
-                <a:ea typeface="Arial" panose="020B0604020202020204" pitchFamily="34" charset="0"/>
-              </a:rPr>
-              <a:t>Rodney Davemann</a:t>
-            </a:r>
-            <a:r>
-              <a:rPr lang="en-US" altLang="zh-CN" dirty="0"/>
-              <a:t> </a:t>
-            </a:r>
-            <a:endParaRPr lang="zh-CN" altLang="en-US" dirty="0"/>
-          </a:p>
-        </p:txBody>
-      </p:sp>
-    </p:spTree>
-    <p:extLst>
-      <p:ext uri="{BB962C8B-B14F-4D97-AF65-F5344CB8AC3E}">
-        <p14:creationId xmlns:p14="http://schemas.microsoft.com/office/powerpoint/2010/main" val="213444618"/>
-      </p:ext>
-    </p:extLst>
-  </p:cSld>
-  <p:clrMapOvr>
-    <a:masterClrMapping/>
-  </p:clrMapOvr>
-</p:sld>
-</file>
-
-<file path=ppt/slides/slide7.xml><?xml version="1.0" encoding="utf-8"?>
-<p:sld xmlns:a="http://schemas.openxmlformats.org/drawingml/2006/main" xmlns:r="http://schemas.openxmlformats.org/officeDocument/2006/relationships" xmlns:p="http://schemas.openxmlformats.org/presentationml/2006/main">
-  <p:cSld>
-    <p:spTree>
-      <p:nvGrpSpPr>
-        <p:cNvPr id="1" name=""/>
-        <p:cNvGrpSpPr/>
-        <p:nvPr/>
-      </p:nvGrpSpPr>
-      <p:grpSpPr>
-        <a:xfrm>
-          <a:off x="0" y="0"/>
-          <a:ext cx="0" cy="0"/>
-          <a:chOff x="0" y="0"/>
-          <a:chExt cx="0" cy="0"/>
-        </a:xfrm>
-      </p:grpSpPr>
-      <p:sp>
-        <p:nvSpPr>
-          <p:cNvPr id="2" name="Title 1">
-            <a:extLst>
-              <a:ext uri="{FF2B5EF4-FFF2-40B4-BE49-F238E27FC236}">
-                <a16:creationId xmlns:a16="http://schemas.microsoft.com/office/drawing/2014/main" id="{663D0643-9008-440B-801F-AF2816B5490B}"/>
-              </a:ext>
-            </a:extLst>
-          </p:cNvPr>
-          <p:cNvSpPr>
-            <a:spLocks noGrp="1"/>
-          </p:cNvSpPr>
-          <p:nvPr>
-            <p:ph type="title"/>
-          </p:nvPr>
-        </p:nvSpPr>
-        <p:spPr/>
-        <p:txBody>
           <a:bodyPr>
             <a:normAutofit fontScale="90000"/>
           </a:bodyPr>
@@ -7777,7 +8389,7 @@
 </p:sld>
 </file>
 
-<file path=ppt/slides/slide8.xml><?xml version="1.0" encoding="utf-8"?>
+<file path=ppt/slides/slide7.xml><?xml version="1.0" encoding="utf-8"?>
 <p:sld xmlns:a="http://schemas.openxmlformats.org/drawingml/2006/main" xmlns:r="http://schemas.openxmlformats.org/officeDocument/2006/relationships" xmlns:p="http://schemas.openxmlformats.org/presentationml/2006/main">
   <p:cSld>
     <p:spTree>
@@ -7989,7 +8601,7 @@
 </p:sld>
 </file>
 
-<file path=ppt/slides/slide9.xml><?xml version="1.0" encoding="utf-8"?>
+<file path=ppt/slides/slide8.xml><?xml version="1.0" encoding="utf-8"?>
 <p:sld xmlns:a="http://schemas.openxmlformats.org/drawingml/2006/main" xmlns:r="http://schemas.openxmlformats.org/officeDocument/2006/relationships" xmlns:p="http://schemas.openxmlformats.org/presentationml/2006/main">
   <p:cSld>
     <p:spTree>
@@ -8305,6 +8917,921 @@
     <p:extLst>
       <p:ext uri="{BB962C8B-B14F-4D97-AF65-F5344CB8AC3E}">
         <p14:creationId xmlns:p14="http://schemas.microsoft.com/office/powerpoint/2010/main" val="2261705071"/>
+      </p:ext>
+    </p:extLst>
+  </p:cSld>
+  <p:clrMapOvr>
+    <a:masterClrMapping/>
+  </p:clrMapOvr>
+</p:sld>
+</file>
+
+<file path=ppt/slides/slide9.xml><?xml version="1.0" encoding="utf-8"?>
+<p:sld xmlns:a="http://schemas.openxmlformats.org/drawingml/2006/main" xmlns:r="http://schemas.openxmlformats.org/officeDocument/2006/relationships" xmlns:p="http://schemas.openxmlformats.org/presentationml/2006/main">
+  <p:cSld>
+    <p:bg>
+      <p:bgPr>
+        <a:solidFill>
+          <a:schemeClr val="bg1"/>
+        </a:solidFill>
+        <a:effectLst/>
+      </p:bgPr>
+    </p:bg>
+    <p:spTree>
+      <p:nvGrpSpPr>
+        <p:cNvPr id="1" name=""/>
+        <p:cNvGrpSpPr/>
+        <p:nvPr/>
+      </p:nvGrpSpPr>
+      <p:grpSpPr>
+        <a:xfrm>
+          <a:off x="0" y="0"/>
+          <a:ext cx="0" cy="0"/>
+          <a:chOff x="0" y="0"/>
+          <a:chExt cx="0" cy="0"/>
+        </a:xfrm>
+      </p:grpSpPr>
+      <p:grpSp>
+        <p:nvGrpSpPr>
+          <p:cNvPr id="29" name="Group 28">
+            <a:extLst>
+              <a:ext uri="{FF2B5EF4-FFF2-40B4-BE49-F238E27FC236}">
+                <a16:creationId xmlns:a16="http://schemas.microsoft.com/office/drawing/2014/main" id="{90A61547-2555-4DE2-A37F-A53E54917441}"/>
+              </a:ext>
+              <a:ext uri="{C183D7F6-B498-43B3-948B-1728B52AA6E4}">
+                <adec:decorative xmlns:adec="http://schemas.microsoft.com/office/drawing/2017/decorative" val="1"/>
+              </a:ext>
+            </a:extLst>
+          </p:cNvPr>
+          <p:cNvGrpSpPr>
+            <a:grpSpLocks noGrp="1" noUngrp="1" noRot="1" noChangeAspect="1" noMove="1" noResize="1"/>
+          </p:cNvGrpSpPr>
+          <p:nvPr>
+            <p:extLst>
+              <p:ext uri="{386F3935-93C4-4BCD-93E2-E3B085C9AB24}">
+                <p16:designElem xmlns:p16="http://schemas.microsoft.com/office/powerpoint/2015/main" val="1"/>
+              </p:ext>
+            </p:extLst>
+          </p:nvPr>
+        </p:nvGrpSpPr>
+        <p:grpSpPr>
+          <a:xfrm>
+            <a:off x="0" y="-8467"/>
+            <a:ext cx="12192000" cy="6866467"/>
+            <a:chOff x="0" y="-8467"/>
+            <a:chExt cx="12192000" cy="6866467"/>
+          </a:xfrm>
+        </p:grpSpPr>
+        <p:cxnSp>
+          <p:nvCxnSpPr>
+            <p:cNvPr id="30" name="Straight Connector 29">
+              <a:extLst>
+                <a:ext uri="{FF2B5EF4-FFF2-40B4-BE49-F238E27FC236}">
+                  <a16:creationId xmlns:a16="http://schemas.microsoft.com/office/drawing/2014/main" id="{5C2447E0-8F0D-479C-94E4-82BC8EB68C0C}"/>
+                </a:ext>
+                <a:ext uri="{C183D7F6-B498-43B3-948B-1728B52AA6E4}">
+                  <adec:decorative xmlns:adec="http://schemas.microsoft.com/office/drawing/2017/decorative" val="1"/>
+                </a:ext>
+              </a:extLst>
+            </p:cNvPr>
+            <p:cNvCxnSpPr/>
+            <p:nvPr>
+              <p:extLst>
+                <p:ext uri="{386F3935-93C4-4BCD-93E2-E3B085C9AB24}">
+                  <p16:designElem xmlns:p16="http://schemas.microsoft.com/office/powerpoint/2015/main" val="1"/>
+                </p:ext>
+              </p:extLst>
+            </p:nvPr>
+          </p:nvCxnSpPr>
+          <p:spPr>
+            <a:xfrm>
+              <a:off x="9371012" y="0"/>
+              <a:ext cx="1219200" cy="6858000"/>
+            </a:xfrm>
+            <a:prstGeom prst="line">
+              <a:avLst/>
+            </a:prstGeom>
+            <a:ln w="9525">
+              <a:solidFill>
+                <a:schemeClr val="bg1">
+                  <a:lumMod val="75000"/>
+                </a:schemeClr>
+              </a:solidFill>
+            </a:ln>
+          </p:spPr>
+          <p:style>
+            <a:lnRef idx="2">
+              <a:schemeClr val="accent1"/>
+            </a:lnRef>
+            <a:fillRef idx="0">
+              <a:schemeClr val="accent1"/>
+            </a:fillRef>
+            <a:effectRef idx="1">
+              <a:schemeClr val="accent1"/>
+            </a:effectRef>
+            <a:fontRef idx="minor">
+              <a:schemeClr val="tx1"/>
+            </a:fontRef>
+          </p:style>
+        </p:cxnSp>
+        <p:cxnSp>
+          <p:nvCxnSpPr>
+            <p:cNvPr id="31" name="Straight Connector 30">
+              <a:extLst>
+                <a:ext uri="{FF2B5EF4-FFF2-40B4-BE49-F238E27FC236}">
+                  <a16:creationId xmlns:a16="http://schemas.microsoft.com/office/drawing/2014/main" id="{1F943397-DCDD-44CB-BBA9-9510B7698DD2}"/>
+                </a:ext>
+                <a:ext uri="{C183D7F6-B498-43B3-948B-1728B52AA6E4}">
+                  <adec:decorative xmlns:adec="http://schemas.microsoft.com/office/drawing/2017/decorative" val="1"/>
+                </a:ext>
+              </a:extLst>
+            </p:cNvPr>
+            <p:cNvCxnSpPr/>
+            <p:nvPr>
+              <p:extLst>
+                <p:ext uri="{386F3935-93C4-4BCD-93E2-E3B085C9AB24}">
+                  <p16:designElem xmlns:p16="http://schemas.microsoft.com/office/powerpoint/2015/main" val="1"/>
+                </p:ext>
+              </p:extLst>
+            </p:nvPr>
+          </p:nvCxnSpPr>
+          <p:spPr>
+            <a:xfrm flipH="1">
+              <a:off x="7425267" y="3681413"/>
+              <a:ext cx="4763558" cy="3176587"/>
+            </a:xfrm>
+            <a:prstGeom prst="line">
+              <a:avLst/>
+            </a:prstGeom>
+            <a:ln w="9525">
+              <a:solidFill>
+                <a:schemeClr val="bg1">
+                  <a:lumMod val="85000"/>
+                </a:schemeClr>
+              </a:solidFill>
+            </a:ln>
+          </p:spPr>
+          <p:style>
+            <a:lnRef idx="2">
+              <a:schemeClr val="accent1"/>
+            </a:lnRef>
+            <a:fillRef idx="0">
+              <a:schemeClr val="accent1"/>
+            </a:fillRef>
+            <a:effectRef idx="1">
+              <a:schemeClr val="accent1"/>
+            </a:effectRef>
+            <a:fontRef idx="minor">
+              <a:schemeClr val="tx1"/>
+            </a:fontRef>
+          </p:style>
+        </p:cxnSp>
+        <p:sp>
+          <p:nvSpPr>
+            <p:cNvPr id="32" name="Rectangle 23">
+              <a:extLst>
+                <a:ext uri="{FF2B5EF4-FFF2-40B4-BE49-F238E27FC236}">
+                  <a16:creationId xmlns:a16="http://schemas.microsoft.com/office/drawing/2014/main" id="{E2630ADC-31DB-4C48-AC4A-DAAE5A7B8EA6}"/>
+                </a:ext>
+                <a:ext uri="{C183D7F6-B498-43B3-948B-1728B52AA6E4}">
+                  <adec:decorative xmlns:adec="http://schemas.microsoft.com/office/drawing/2017/decorative" val="1"/>
+                </a:ext>
+              </a:extLst>
+            </p:cNvPr>
+            <p:cNvSpPr/>
+            <p:nvPr>
+              <p:extLst>
+                <p:ext uri="{386F3935-93C4-4BCD-93E2-E3B085C9AB24}">
+                  <p16:designElem xmlns:p16="http://schemas.microsoft.com/office/powerpoint/2015/main" val="1"/>
+                </p:ext>
+              </p:extLst>
+            </p:nvPr>
+          </p:nvSpPr>
+          <p:spPr>
+            <a:xfrm>
+              <a:off x="9181476" y="-8467"/>
+              <a:ext cx="3007349" cy="6866467"/>
+            </a:xfrm>
+            <a:custGeom>
+              <a:avLst/>
+              <a:gdLst/>
+              <a:ahLst/>
+              <a:cxnLst/>
+              <a:rect l="l" t="t" r="r" b="b"/>
+              <a:pathLst>
+                <a:path w="3007349" h="6866467">
+                  <a:moveTo>
+                    <a:pt x="2045532" y="0"/>
+                  </a:moveTo>
+                  <a:lnTo>
+                    <a:pt x="3007349" y="0"/>
+                  </a:lnTo>
+                  <a:lnTo>
+                    <a:pt x="3007349" y="6866467"/>
+                  </a:lnTo>
+                  <a:lnTo>
+                    <a:pt x="0" y="6866467"/>
+                  </a:lnTo>
+                  <a:lnTo>
+                    <a:pt x="2045532" y="0"/>
+                  </a:lnTo>
+                  <a:close/>
+                </a:path>
+              </a:pathLst>
+            </a:custGeom>
+            <a:solidFill>
+              <a:schemeClr val="accent1">
+                <a:alpha val="30000"/>
+              </a:schemeClr>
+            </a:solidFill>
+            <a:ln>
+              <a:noFill/>
+            </a:ln>
+            <a:effectLst/>
+          </p:spPr>
+          <p:style>
+            <a:lnRef idx="1">
+              <a:schemeClr val="accent1"/>
+            </a:lnRef>
+            <a:fillRef idx="3">
+              <a:schemeClr val="accent1"/>
+            </a:fillRef>
+            <a:effectRef idx="2">
+              <a:schemeClr val="accent1"/>
+            </a:effectRef>
+            <a:fontRef idx="minor">
+              <a:schemeClr val="lt1"/>
+            </a:fontRef>
+          </p:style>
+        </p:sp>
+        <p:sp>
+          <p:nvSpPr>
+            <p:cNvPr id="33" name="Rectangle 25">
+              <a:extLst>
+                <a:ext uri="{FF2B5EF4-FFF2-40B4-BE49-F238E27FC236}">
+                  <a16:creationId xmlns:a16="http://schemas.microsoft.com/office/drawing/2014/main" id="{2CA5C44E-F54E-47E0-8989-4D8686B33C80}"/>
+                </a:ext>
+                <a:ext uri="{C183D7F6-B498-43B3-948B-1728B52AA6E4}">
+                  <adec:decorative xmlns:adec="http://schemas.microsoft.com/office/drawing/2017/decorative" val="1"/>
+                </a:ext>
+              </a:extLst>
+            </p:cNvPr>
+            <p:cNvSpPr/>
+            <p:nvPr>
+              <p:extLst>
+                <p:ext uri="{386F3935-93C4-4BCD-93E2-E3B085C9AB24}">
+                  <p16:designElem xmlns:p16="http://schemas.microsoft.com/office/powerpoint/2015/main" val="1"/>
+                </p:ext>
+              </p:extLst>
+            </p:nvPr>
+          </p:nvSpPr>
+          <p:spPr>
+            <a:xfrm>
+              <a:off x="9603442" y="-8467"/>
+              <a:ext cx="2588558" cy="6866467"/>
+            </a:xfrm>
+            <a:custGeom>
+              <a:avLst/>
+              <a:gdLst/>
+              <a:ahLst/>
+              <a:cxnLst/>
+              <a:rect l="l" t="t" r="r" b="b"/>
+              <a:pathLst>
+                <a:path w="2573311" h="6866467">
+                  <a:moveTo>
+                    <a:pt x="0" y="0"/>
+                  </a:moveTo>
+                  <a:lnTo>
+                    <a:pt x="2573311" y="0"/>
+                  </a:lnTo>
+                  <a:lnTo>
+                    <a:pt x="2573311" y="6866467"/>
+                  </a:lnTo>
+                  <a:lnTo>
+                    <a:pt x="1202336" y="6866467"/>
+                  </a:lnTo>
+                  <a:lnTo>
+                    <a:pt x="0" y="0"/>
+                  </a:lnTo>
+                  <a:close/>
+                </a:path>
+              </a:pathLst>
+            </a:custGeom>
+            <a:solidFill>
+              <a:schemeClr val="accent1">
+                <a:alpha val="20000"/>
+              </a:schemeClr>
+            </a:solidFill>
+            <a:ln>
+              <a:noFill/>
+            </a:ln>
+            <a:effectLst/>
+          </p:spPr>
+          <p:style>
+            <a:lnRef idx="1">
+              <a:schemeClr val="accent1"/>
+            </a:lnRef>
+            <a:fillRef idx="3">
+              <a:schemeClr val="accent1"/>
+            </a:fillRef>
+            <a:effectRef idx="2">
+              <a:schemeClr val="accent1"/>
+            </a:effectRef>
+            <a:fontRef idx="minor">
+              <a:schemeClr val="lt1"/>
+            </a:fontRef>
+          </p:style>
+        </p:sp>
+        <p:sp>
+          <p:nvSpPr>
+            <p:cNvPr id="34" name="Isosceles Triangle 33">
+              <a:extLst>
+                <a:ext uri="{FF2B5EF4-FFF2-40B4-BE49-F238E27FC236}">
+                  <a16:creationId xmlns:a16="http://schemas.microsoft.com/office/drawing/2014/main" id="{FF54E15E-830B-4375-A239-4C51954DEAEC}"/>
+                </a:ext>
+                <a:ext uri="{C183D7F6-B498-43B3-948B-1728B52AA6E4}">
+                  <adec:decorative xmlns:adec="http://schemas.microsoft.com/office/drawing/2017/decorative" val="1"/>
+                </a:ext>
+              </a:extLst>
+            </p:cNvPr>
+            <p:cNvSpPr/>
+            <p:nvPr>
+              <p:extLst>
+                <p:ext uri="{386F3935-93C4-4BCD-93E2-E3B085C9AB24}">
+                  <p16:designElem xmlns:p16="http://schemas.microsoft.com/office/powerpoint/2015/main" val="1"/>
+                </p:ext>
+              </p:extLst>
+            </p:nvPr>
+          </p:nvSpPr>
+          <p:spPr>
+            <a:xfrm>
+              <a:off x="8932333" y="3048000"/>
+              <a:ext cx="3259667" cy="3810000"/>
+            </a:xfrm>
+            <a:prstGeom prst="triangle">
+              <a:avLst>
+                <a:gd name="adj" fmla="val 100000"/>
+              </a:avLst>
+            </a:prstGeom>
+            <a:solidFill>
+              <a:schemeClr val="accent2">
+                <a:alpha val="72000"/>
+              </a:schemeClr>
+            </a:solidFill>
+            <a:ln>
+              <a:noFill/>
+            </a:ln>
+            <a:effectLst/>
+          </p:spPr>
+          <p:style>
+            <a:lnRef idx="1">
+              <a:schemeClr val="accent1"/>
+            </a:lnRef>
+            <a:fillRef idx="3">
+              <a:schemeClr val="accent1"/>
+            </a:fillRef>
+            <a:effectRef idx="2">
+              <a:schemeClr val="accent1"/>
+            </a:effectRef>
+            <a:fontRef idx="minor">
+              <a:schemeClr val="lt1"/>
+            </a:fontRef>
+          </p:style>
+        </p:sp>
+        <p:sp>
+          <p:nvSpPr>
+            <p:cNvPr id="35" name="Rectangle 27">
+              <a:extLst>
+                <a:ext uri="{FF2B5EF4-FFF2-40B4-BE49-F238E27FC236}">
+                  <a16:creationId xmlns:a16="http://schemas.microsoft.com/office/drawing/2014/main" id="{CB37E322-FF7E-4872-BD6B-50A48CBEA5CE}"/>
+                </a:ext>
+                <a:ext uri="{C183D7F6-B498-43B3-948B-1728B52AA6E4}">
+                  <adec:decorative xmlns:adec="http://schemas.microsoft.com/office/drawing/2017/decorative" val="1"/>
+                </a:ext>
+              </a:extLst>
+            </p:cNvPr>
+            <p:cNvSpPr/>
+            <p:nvPr>
+              <p:extLst>
+                <p:ext uri="{386F3935-93C4-4BCD-93E2-E3B085C9AB24}">
+                  <p16:designElem xmlns:p16="http://schemas.microsoft.com/office/powerpoint/2015/main" val="1"/>
+                </p:ext>
+              </p:extLst>
+            </p:nvPr>
+          </p:nvSpPr>
+          <p:spPr>
+            <a:xfrm>
+              <a:off x="9334500" y="-8467"/>
+              <a:ext cx="2854326" cy="6866467"/>
+            </a:xfrm>
+            <a:custGeom>
+              <a:avLst/>
+              <a:gdLst/>
+              <a:ahLst/>
+              <a:cxnLst/>
+              <a:rect l="l" t="t" r="r" b="b"/>
+              <a:pathLst>
+                <a:path w="2858013" h="6866467">
+                  <a:moveTo>
+                    <a:pt x="0" y="0"/>
+                  </a:moveTo>
+                  <a:lnTo>
+                    <a:pt x="2858013" y="0"/>
+                  </a:lnTo>
+                  <a:lnTo>
+                    <a:pt x="2858013" y="6866467"/>
+                  </a:lnTo>
+                  <a:lnTo>
+                    <a:pt x="2473942" y="6866467"/>
+                  </a:lnTo>
+                  <a:lnTo>
+                    <a:pt x="0" y="0"/>
+                  </a:lnTo>
+                  <a:close/>
+                </a:path>
+              </a:pathLst>
+            </a:custGeom>
+            <a:solidFill>
+              <a:schemeClr val="accent2">
+                <a:lumMod val="75000"/>
+                <a:alpha val="70000"/>
+              </a:schemeClr>
+            </a:solidFill>
+            <a:ln>
+              <a:noFill/>
+            </a:ln>
+            <a:effectLst/>
+          </p:spPr>
+          <p:style>
+            <a:lnRef idx="1">
+              <a:schemeClr val="accent1"/>
+            </a:lnRef>
+            <a:fillRef idx="3">
+              <a:schemeClr val="accent1"/>
+            </a:fillRef>
+            <a:effectRef idx="2">
+              <a:schemeClr val="accent1"/>
+            </a:effectRef>
+            <a:fontRef idx="minor">
+              <a:schemeClr val="lt1"/>
+            </a:fontRef>
+          </p:style>
+        </p:sp>
+        <p:sp>
+          <p:nvSpPr>
+            <p:cNvPr id="36" name="Rectangle 28">
+              <a:extLst>
+                <a:ext uri="{FF2B5EF4-FFF2-40B4-BE49-F238E27FC236}">
+                  <a16:creationId xmlns:a16="http://schemas.microsoft.com/office/drawing/2014/main" id="{710D0C1E-D2F8-45B2-AE14-1AC8E976F7A2}"/>
+                </a:ext>
+                <a:ext uri="{C183D7F6-B498-43B3-948B-1728B52AA6E4}">
+                  <adec:decorative xmlns:adec="http://schemas.microsoft.com/office/drawing/2017/decorative" val="1"/>
+                </a:ext>
+              </a:extLst>
+            </p:cNvPr>
+            <p:cNvSpPr/>
+            <p:nvPr>
+              <p:extLst>
+                <p:ext uri="{386F3935-93C4-4BCD-93E2-E3B085C9AB24}">
+                  <p16:designElem xmlns:p16="http://schemas.microsoft.com/office/powerpoint/2015/main" val="1"/>
+                </p:ext>
+              </p:extLst>
+            </p:nvPr>
+          </p:nvSpPr>
+          <p:spPr>
+            <a:xfrm>
+              <a:off x="10898730" y="-8467"/>
+              <a:ext cx="1290094" cy="6866467"/>
+            </a:xfrm>
+            <a:custGeom>
+              <a:avLst/>
+              <a:gdLst/>
+              <a:ahLst/>
+              <a:cxnLst/>
+              <a:rect l="l" t="t" r="r" b="b"/>
+              <a:pathLst>
+                <a:path w="1290094" h="6858000">
+                  <a:moveTo>
+                    <a:pt x="1019735" y="0"/>
+                  </a:moveTo>
+                  <a:lnTo>
+                    <a:pt x="1290094" y="0"/>
+                  </a:lnTo>
+                  <a:lnTo>
+                    <a:pt x="1290094" y="6858000"/>
+                  </a:lnTo>
+                  <a:lnTo>
+                    <a:pt x="0" y="6858000"/>
+                  </a:lnTo>
+                  <a:lnTo>
+                    <a:pt x="1019735" y="0"/>
+                  </a:lnTo>
+                  <a:close/>
+                </a:path>
+              </a:pathLst>
+            </a:custGeom>
+            <a:solidFill>
+              <a:schemeClr val="accent1">
+                <a:lumMod val="60000"/>
+                <a:lumOff val="40000"/>
+                <a:alpha val="70000"/>
+              </a:schemeClr>
+            </a:solidFill>
+            <a:ln>
+              <a:noFill/>
+            </a:ln>
+            <a:effectLst/>
+          </p:spPr>
+          <p:style>
+            <a:lnRef idx="1">
+              <a:schemeClr val="accent1"/>
+            </a:lnRef>
+            <a:fillRef idx="3">
+              <a:schemeClr val="accent1"/>
+            </a:fillRef>
+            <a:effectRef idx="2">
+              <a:schemeClr val="accent1"/>
+            </a:effectRef>
+            <a:fontRef idx="minor">
+              <a:schemeClr val="lt1"/>
+            </a:fontRef>
+          </p:style>
+        </p:sp>
+        <p:sp>
+          <p:nvSpPr>
+            <p:cNvPr id="37" name="Rectangle 29">
+              <a:extLst>
+                <a:ext uri="{FF2B5EF4-FFF2-40B4-BE49-F238E27FC236}">
+                  <a16:creationId xmlns:a16="http://schemas.microsoft.com/office/drawing/2014/main" id="{3216331B-17D0-4167-ABD2-B2198058C2D2}"/>
+                </a:ext>
+                <a:ext uri="{C183D7F6-B498-43B3-948B-1728B52AA6E4}">
+                  <adec:decorative xmlns:adec="http://schemas.microsoft.com/office/drawing/2017/decorative" val="1"/>
+                </a:ext>
+              </a:extLst>
+            </p:cNvPr>
+            <p:cNvSpPr/>
+            <p:nvPr>
+              <p:extLst>
+                <p:ext uri="{386F3935-93C4-4BCD-93E2-E3B085C9AB24}">
+                  <p16:designElem xmlns:p16="http://schemas.microsoft.com/office/powerpoint/2015/main" val="1"/>
+                </p:ext>
+              </p:extLst>
+            </p:nvPr>
+          </p:nvSpPr>
+          <p:spPr>
+            <a:xfrm>
+              <a:off x="10938999" y="-8467"/>
+              <a:ext cx="1249825" cy="6866467"/>
+            </a:xfrm>
+            <a:custGeom>
+              <a:avLst/>
+              <a:gdLst/>
+              <a:ahLst/>
+              <a:cxnLst/>
+              <a:rect l="l" t="t" r="r" b="b"/>
+              <a:pathLst>
+                <a:path w="1249825" h="6858000">
+                  <a:moveTo>
+                    <a:pt x="0" y="0"/>
+                  </a:moveTo>
+                  <a:lnTo>
+                    <a:pt x="1249825" y="0"/>
+                  </a:lnTo>
+                  <a:lnTo>
+                    <a:pt x="1249825" y="6858000"/>
+                  </a:lnTo>
+                  <a:lnTo>
+                    <a:pt x="1109382" y="6858000"/>
+                  </a:lnTo>
+                  <a:lnTo>
+                    <a:pt x="0" y="0"/>
+                  </a:lnTo>
+                  <a:close/>
+                </a:path>
+              </a:pathLst>
+            </a:custGeom>
+            <a:solidFill>
+              <a:schemeClr val="accent1">
+                <a:alpha val="65000"/>
+              </a:schemeClr>
+            </a:solidFill>
+            <a:ln>
+              <a:noFill/>
+            </a:ln>
+            <a:effectLst/>
+          </p:spPr>
+          <p:style>
+            <a:lnRef idx="1">
+              <a:schemeClr val="accent1"/>
+            </a:lnRef>
+            <a:fillRef idx="3">
+              <a:schemeClr val="accent1"/>
+            </a:fillRef>
+            <a:effectRef idx="2">
+              <a:schemeClr val="accent1"/>
+            </a:effectRef>
+            <a:fontRef idx="minor">
+              <a:schemeClr val="lt1"/>
+            </a:fontRef>
+          </p:style>
+        </p:sp>
+        <p:sp>
+          <p:nvSpPr>
+            <p:cNvPr id="38" name="Isosceles Triangle 37">
+              <a:extLst>
+                <a:ext uri="{FF2B5EF4-FFF2-40B4-BE49-F238E27FC236}">
+                  <a16:creationId xmlns:a16="http://schemas.microsoft.com/office/drawing/2014/main" id="{A53A7A96-3806-4BB3-91DE-6EED48AC787E}"/>
+                </a:ext>
+                <a:ext uri="{C183D7F6-B498-43B3-948B-1728B52AA6E4}">
+                  <adec:decorative xmlns:adec="http://schemas.microsoft.com/office/drawing/2017/decorative" val="1"/>
+                </a:ext>
+              </a:extLst>
+            </p:cNvPr>
+            <p:cNvSpPr/>
+            <p:nvPr>
+              <p:extLst>
+                <p:ext uri="{386F3935-93C4-4BCD-93E2-E3B085C9AB24}">
+                  <p16:designElem xmlns:p16="http://schemas.microsoft.com/office/powerpoint/2015/main" val="1"/>
+                </p:ext>
+              </p:extLst>
+            </p:nvPr>
+          </p:nvSpPr>
+          <p:spPr>
+            <a:xfrm>
+              <a:off x="10371666" y="3589867"/>
+              <a:ext cx="1817159" cy="3268133"/>
+            </a:xfrm>
+            <a:prstGeom prst="triangle">
+              <a:avLst>
+                <a:gd name="adj" fmla="val 100000"/>
+              </a:avLst>
+            </a:prstGeom>
+            <a:solidFill>
+              <a:schemeClr val="accent1">
+                <a:alpha val="80000"/>
+              </a:schemeClr>
+            </a:solidFill>
+            <a:ln>
+              <a:noFill/>
+            </a:ln>
+            <a:effectLst/>
+          </p:spPr>
+          <p:style>
+            <a:lnRef idx="1">
+              <a:schemeClr val="accent1"/>
+            </a:lnRef>
+            <a:fillRef idx="3">
+              <a:schemeClr val="accent1"/>
+            </a:fillRef>
+            <a:effectRef idx="2">
+              <a:schemeClr val="accent1"/>
+            </a:effectRef>
+            <a:fontRef idx="minor">
+              <a:schemeClr val="lt1"/>
+            </a:fontRef>
+          </p:style>
+        </p:sp>
+        <p:sp>
+          <p:nvSpPr>
+            <p:cNvPr id="39" name="Isosceles Triangle 38">
+              <a:extLst>
+                <a:ext uri="{FF2B5EF4-FFF2-40B4-BE49-F238E27FC236}">
+                  <a16:creationId xmlns:a16="http://schemas.microsoft.com/office/drawing/2014/main" id="{F8C2B86C-EE71-466E-8991-503F9C9C1B22}"/>
+                </a:ext>
+                <a:ext uri="{C183D7F6-B498-43B3-948B-1728B52AA6E4}">
+                  <adec:decorative xmlns:adec="http://schemas.microsoft.com/office/drawing/2017/decorative" val="1"/>
+                </a:ext>
+              </a:extLst>
+            </p:cNvPr>
+            <p:cNvSpPr/>
+            <p:nvPr>
+              <p:extLst>
+                <p:ext uri="{386F3935-93C4-4BCD-93E2-E3B085C9AB24}">
+                  <p16:designElem xmlns:p16="http://schemas.microsoft.com/office/powerpoint/2015/main" val="1"/>
+                </p:ext>
+              </p:extLst>
+            </p:nvPr>
+          </p:nvSpPr>
+          <p:spPr>
+            <a:xfrm rot="10800000">
+              <a:off x="0" y="0"/>
+              <a:ext cx="842596" cy="5666154"/>
+            </a:xfrm>
+            <a:prstGeom prst="triangle">
+              <a:avLst>
+                <a:gd name="adj" fmla="val 100000"/>
+              </a:avLst>
+            </a:prstGeom>
+            <a:solidFill>
+              <a:schemeClr val="accent1">
+                <a:alpha val="85000"/>
+              </a:schemeClr>
+            </a:solidFill>
+            <a:ln>
+              <a:noFill/>
+            </a:ln>
+            <a:effectLst/>
+          </p:spPr>
+          <p:style>
+            <a:lnRef idx="1">
+              <a:schemeClr val="accent1"/>
+            </a:lnRef>
+            <a:fillRef idx="3">
+              <a:schemeClr val="accent1"/>
+            </a:fillRef>
+            <a:effectRef idx="2">
+              <a:schemeClr val="accent1"/>
+            </a:effectRef>
+            <a:fontRef idx="minor">
+              <a:schemeClr val="lt1"/>
+            </a:fontRef>
+          </p:style>
+        </p:sp>
+      </p:grpSp>
+      <p:sp>
+        <p:nvSpPr>
+          <p:cNvPr id="2" name="Title 1">
+            <a:extLst>
+              <a:ext uri="{FF2B5EF4-FFF2-40B4-BE49-F238E27FC236}">
+                <a16:creationId xmlns:a16="http://schemas.microsoft.com/office/drawing/2014/main" id="{663D0643-9008-440B-801F-AF2816B5490B}"/>
+              </a:ext>
+            </a:extLst>
+          </p:cNvPr>
+          <p:cNvSpPr>
+            <a:spLocks noGrp="1"/>
+          </p:cNvSpPr>
+          <p:nvPr>
+            <p:ph type="title"/>
+          </p:nvPr>
+        </p:nvSpPr>
+        <p:spPr>
+          <a:xfrm>
+            <a:off x="985968" y="4473225"/>
+            <a:ext cx="8288035" cy="1095059"/>
+          </a:xfrm>
+        </p:spPr>
+        <p:txBody>
+          <a:bodyPr vert="horz" lIns="91440" tIns="45720" rIns="91440" bIns="45720" rtlCol="0" anchor="b">
+            <a:normAutofit/>
+          </a:bodyPr>
+          <a:lstStyle/>
+          <a:p>
+            <a:pPr algn="ctr">
+              <a:lnSpc>
+                <a:spcPct val="90000"/>
+              </a:lnSpc>
+            </a:pPr>
+            <a:r>
+              <a:rPr lang="en-US" altLang="zh-CN" sz="4100"/>
+              <a:t>Mental Illness vs COVID-19 Cases </a:t>
+            </a:r>
+          </a:p>
+        </p:txBody>
+      </p:sp>
+      <p:sp>
+        <p:nvSpPr>
+          <p:cNvPr id="11" name="Content Placeholder 10">
+            <a:extLst>
+              <a:ext uri="{FF2B5EF4-FFF2-40B4-BE49-F238E27FC236}">
+                <a16:creationId xmlns:a16="http://schemas.microsoft.com/office/drawing/2014/main" id="{D1655DF9-62E3-47AF-9115-0CA7362FEB8D}"/>
+              </a:ext>
+            </a:extLst>
+          </p:cNvPr>
+          <p:cNvSpPr>
+            <a:spLocks noGrp="1"/>
+          </p:cNvSpPr>
+          <p:nvPr>
+            <p:ph idx="1"/>
+          </p:nvPr>
+        </p:nvSpPr>
+        <p:spPr>
+          <a:xfrm>
+            <a:off x="985968" y="5569874"/>
+            <a:ext cx="8288035" cy="471488"/>
+          </a:xfrm>
+        </p:spPr>
+        <p:txBody>
+          <a:bodyPr vert="horz" lIns="91440" tIns="45720" rIns="91440" bIns="45720" rtlCol="0" anchor="t">
+            <a:normAutofit/>
+          </a:bodyPr>
+          <a:lstStyle/>
+          <a:p>
+            <a:pPr marL="0" indent="0" algn="ctr">
+              <a:buNone/>
+            </a:pPr>
+            <a:r>
+              <a:rPr lang="en-US" altLang="zh-CN">
+                <a:solidFill>
+                  <a:schemeClr val="tx1">
+                    <a:lumMod val="50000"/>
+                    <a:lumOff val="50000"/>
+                  </a:schemeClr>
+                </a:solidFill>
+              </a:rPr>
+              <a:t>By </a:t>
+            </a:r>
+            <a:r>
+              <a:rPr lang="en-US" altLang="zh-CN">
+                <a:solidFill>
+                  <a:schemeClr val="tx1">
+                    <a:lumMod val="50000"/>
+                    <a:lumOff val="50000"/>
+                  </a:schemeClr>
+                </a:solidFill>
+                <a:effectLst/>
+              </a:rPr>
+              <a:t>Felix Ogbodu</a:t>
+            </a:r>
+            <a:r>
+              <a:rPr lang="en-US" altLang="zh-CN">
+                <a:solidFill>
+                  <a:schemeClr val="tx1">
+                    <a:lumMod val="50000"/>
+                    <a:lumOff val="50000"/>
+                  </a:schemeClr>
+                </a:solidFill>
+              </a:rPr>
+              <a:t> </a:t>
+            </a:r>
+          </a:p>
+        </p:txBody>
+      </p:sp>
+      <p:pic>
+        <p:nvPicPr>
+          <p:cNvPr id="8" name="Picture 7" descr="Chart, scatter chart&#10;&#10;Description automatically generated">
+            <a:extLst>
+              <a:ext uri="{FF2B5EF4-FFF2-40B4-BE49-F238E27FC236}">
+                <a16:creationId xmlns:a16="http://schemas.microsoft.com/office/drawing/2014/main" id="{4B3951DD-AD43-4789-937F-15D0EFB85DD5}"/>
+              </a:ext>
+            </a:extLst>
+          </p:cNvPr>
+          <p:cNvPicPr>
+            <a:picLocks noChangeAspect="1"/>
+          </p:cNvPicPr>
+          <p:nvPr/>
+        </p:nvPicPr>
+        <p:blipFill>
+          <a:blip r:embed="rId2">
+            <a:extLst>
+              <a:ext uri="{28A0092B-C50C-407E-A947-70E740481C1C}">
+                <a14:useLocalDpi xmlns:a14="http://schemas.microsoft.com/office/drawing/2010/main" val="0"/>
+              </a:ext>
+            </a:extLst>
+          </a:blip>
+          <a:stretch>
+            <a:fillRect/>
+          </a:stretch>
+        </p:blipFill>
+        <p:spPr>
+          <a:xfrm>
+            <a:off x="985965" y="1217649"/>
+            <a:ext cx="4029717" cy="2750879"/>
+          </a:xfrm>
+          <a:prstGeom prst="rect">
+            <a:avLst/>
+          </a:prstGeom>
+        </p:spPr>
+      </p:pic>
+      <p:pic>
+        <p:nvPicPr>
+          <p:cNvPr id="5" name="Content Placeholder 4" descr="Chart, scatter chart&#10;&#10;Description automatically generated">
+            <a:extLst>
+              <a:ext uri="{FF2B5EF4-FFF2-40B4-BE49-F238E27FC236}">
+                <a16:creationId xmlns:a16="http://schemas.microsoft.com/office/drawing/2014/main" id="{C95C15AD-4588-43E3-BBE8-5926CFADBFE3}"/>
+              </a:ext>
+            </a:extLst>
+          </p:cNvPr>
+          <p:cNvPicPr>
+            <a:picLocks noChangeAspect="1"/>
+          </p:cNvPicPr>
+          <p:nvPr/>
+        </p:nvPicPr>
+        <p:blipFill>
+          <a:blip r:embed="rId3">
+            <a:extLst>
+              <a:ext uri="{28A0092B-C50C-407E-A947-70E740481C1C}">
+                <a14:useLocalDpi xmlns:a14="http://schemas.microsoft.com/office/drawing/2010/main" val="0"/>
+              </a:ext>
+            </a:extLst>
+          </a:blip>
+          <a:stretch>
+            <a:fillRect/>
+          </a:stretch>
+        </p:blipFill>
+        <p:spPr>
+          <a:xfrm>
+            <a:off x="5244284" y="1217649"/>
+            <a:ext cx="4029717" cy="2750879"/>
+          </a:xfrm>
+          <a:prstGeom prst="rect">
+            <a:avLst/>
+          </a:prstGeom>
+        </p:spPr>
+      </p:pic>
+    </p:spTree>
+    <p:extLst>
+      <p:ext uri="{BB962C8B-B14F-4D97-AF65-F5344CB8AC3E}">
+        <p14:creationId xmlns:p14="http://schemas.microsoft.com/office/powerpoint/2010/main" val="4260748630"/>
       </p:ext>
     </p:extLst>
   </p:cSld>
